--- a/Presentation Material/Updated Green Transition Presentation (kooha).pptx
+++ b/Presentation Material/Updated Green Transition Presentation (kooha).pptx
@@ -8,11 +8,10 @@
     <p:sldId id="940" r:id="rId2"/>
     <p:sldId id="942" r:id="rId3"/>
     <p:sldId id="932" r:id="rId4"/>
-    <p:sldId id="945" r:id="rId5"/>
-    <p:sldId id="937" r:id="rId6"/>
-    <p:sldId id="943" r:id="rId7"/>
-    <p:sldId id="944" r:id="rId8"/>
-    <p:sldId id="935" r:id="rId9"/>
+    <p:sldId id="937" r:id="rId5"/>
+    <p:sldId id="935" r:id="rId6"/>
+    <p:sldId id="944" r:id="rId7"/>
+    <p:sldId id="891" r:id="rId8"/>
   </p:sldIdLst>
   <p:sldSz cx="12192000" cy="6858000"/>
   <p:notesSz cx="6858000" cy="9144000"/>
@@ -111,7 +110,24 @@
       </a:defRPr>
     </a:lvl9pPr>
   </p:defaultTextStyle>
+  <p:extLst>
+    <p:ext uri="{EFAFB233-063F-42B5-8137-9DF3F51BA10A}">
+      <p15:sldGuideLst xmlns:p15="http://schemas.microsoft.com/office/powerpoint/2012/main"/>
+    </p:ext>
+  </p:extLst>
 </p:presentation>
+</file>
+
+<file path=ppt/commentAuthors.xml><?xml version="1.0" encoding="utf-8"?>
+<p:cmAuthorLst xmlns:a="http://schemas.openxmlformats.org/drawingml/2006/main" xmlns:r="http://schemas.openxmlformats.org/officeDocument/2006/relationships" xmlns:p="http://schemas.openxmlformats.org/presentationml/2006/main">
+  <p:cmAuthor id="1" name="kwonkh0424@gmail.com" initials="k" lastIdx="1" clrIdx="0">
+    <p:extLst>
+      <p:ext uri="{19B8F6BF-5375-455C-9EA6-DF929625EA0E}">
+        <p15:presenceInfo xmlns:p15="http://schemas.microsoft.com/office/powerpoint/2012/main" userId="241cd59b3028fb87" providerId="Windows Live"/>
+      </p:ext>
+    </p:extLst>
+  </p:cmAuthor>
+</p:cmAuthorLst>
 </file>
 
 <file path=ppt/slideLayouts/slideLayout1.xml><?xml version="1.0" encoding="utf-8"?>
@@ -246,7 +262,7 @@
             <a:fld id="{530820CF-B880-4189-942D-D702A7CBA730}" type="datetimeFigureOut">
               <a:rPr lang="zh-CN" altLang="en-US" smtClean="0"/>
               <a:pPr/>
-              <a:t>2020/9/30</a:t>
+              <a:t>2020/10/2</a:t>
             </a:fld>
             <a:endParaRPr lang="zh-CN" altLang="en-US"/>
           </a:p>
@@ -418,7 +434,7 @@
             <a:fld id="{530820CF-B880-4189-942D-D702A7CBA730}" type="datetimeFigureOut">
               <a:rPr lang="zh-CN" altLang="en-US" smtClean="0"/>
               <a:pPr/>
-              <a:t>2020/9/30</a:t>
+              <a:t>2020/10/2</a:t>
             </a:fld>
             <a:endParaRPr lang="zh-CN" altLang="en-US"/>
           </a:p>
@@ -600,7 +616,7 @@
             <a:fld id="{530820CF-B880-4189-942D-D702A7CBA730}" type="datetimeFigureOut">
               <a:rPr lang="zh-CN" altLang="en-US" smtClean="0"/>
               <a:pPr/>
-              <a:t>2020/9/30</a:t>
+              <a:t>2020/10/2</a:t>
             </a:fld>
             <a:endParaRPr lang="zh-CN" altLang="en-US"/>
           </a:p>
@@ -720,7 +736,7 @@
             <a:fld id="{530820CF-B880-4189-942D-D702A7CBA730}" type="datetimeFigureOut">
               <a:rPr lang="zh-CN" altLang="en-US" smtClean="0"/>
               <a:pPr/>
-              <a:t>2020/9/30</a:t>
+              <a:t>2020/10/2</a:t>
             </a:fld>
             <a:endParaRPr lang="zh-CN" altLang="en-US"/>
           </a:p>
@@ -868,7 +884,7 @@
             <a:fld id="{530820CF-B880-4189-942D-D702A7CBA730}" type="datetimeFigureOut">
               <a:rPr lang="zh-CN" altLang="en-US" smtClean="0"/>
               <a:pPr/>
-              <a:t>2020/9/30</a:t>
+              <a:t>2020/10/2</a:t>
             </a:fld>
             <a:endParaRPr lang="zh-CN" altLang="en-US"/>
           </a:p>
@@ -1116,7 +1132,7 @@
             <a:fld id="{530820CF-B880-4189-942D-D702A7CBA730}" type="datetimeFigureOut">
               <a:rPr lang="zh-CN" altLang="en-US" smtClean="0"/>
               <a:pPr/>
-              <a:t>2020/9/30</a:t>
+              <a:t>2020/10/2</a:t>
             </a:fld>
             <a:endParaRPr lang="zh-CN" altLang="en-US"/>
           </a:p>
@@ -1350,7 +1366,7 @@
             <a:fld id="{530820CF-B880-4189-942D-D702A7CBA730}" type="datetimeFigureOut">
               <a:rPr lang="zh-CN" altLang="en-US" smtClean="0"/>
               <a:pPr/>
-              <a:t>2020/9/30</a:t>
+              <a:t>2020/10/2</a:t>
             </a:fld>
             <a:endParaRPr lang="zh-CN" altLang="en-US"/>
           </a:p>
@@ -1719,7 +1735,7 @@
             <a:fld id="{530820CF-B880-4189-942D-D702A7CBA730}" type="datetimeFigureOut">
               <a:rPr lang="zh-CN" altLang="en-US" smtClean="0"/>
               <a:pPr/>
-              <a:t>2020/9/30</a:t>
+              <a:t>2020/10/2</a:t>
             </a:fld>
             <a:endParaRPr lang="zh-CN" altLang="en-US"/>
           </a:p>
@@ -1839,7 +1855,7 @@
             <a:fld id="{530820CF-B880-4189-942D-D702A7CBA730}" type="datetimeFigureOut">
               <a:rPr lang="zh-CN" altLang="en-US" smtClean="0"/>
               <a:pPr/>
-              <a:t>2020/9/30</a:t>
+              <a:t>2020/10/2</a:t>
             </a:fld>
             <a:endParaRPr lang="zh-CN" altLang="en-US"/>
           </a:p>
@@ -1936,7 +1952,7 @@
             <a:fld id="{530820CF-B880-4189-942D-D702A7CBA730}" type="datetimeFigureOut">
               <a:rPr lang="zh-CN" altLang="en-US" smtClean="0"/>
               <a:pPr/>
-              <a:t>2020/9/30</a:t>
+              <a:t>2020/10/2</a:t>
             </a:fld>
             <a:endParaRPr lang="zh-CN" altLang="en-US"/>
           </a:p>
@@ -2215,7 +2231,7 @@
             <a:fld id="{530820CF-B880-4189-942D-D702A7CBA730}" type="datetimeFigureOut">
               <a:rPr lang="zh-CN" altLang="en-US" smtClean="0"/>
               <a:pPr/>
-              <a:t>2020/9/30</a:t>
+              <a:t>2020/10/2</a:t>
             </a:fld>
             <a:endParaRPr lang="zh-CN" altLang="en-US"/>
           </a:p>
@@ -2474,7 +2490,7 @@
             <a:fld id="{530820CF-B880-4189-942D-D702A7CBA730}" type="datetimeFigureOut">
               <a:rPr lang="zh-CN" altLang="en-US" smtClean="0"/>
               <a:pPr/>
-              <a:t>2020/9/30</a:t>
+              <a:t>2020/10/2</a:t>
             </a:fld>
             <a:endParaRPr lang="zh-CN" altLang="en-US"/>
           </a:p>
@@ -2689,7 +2705,7 @@
             <a:fld id="{530820CF-B880-4189-942D-D702A7CBA730}" type="datetimeFigureOut">
               <a:rPr lang="zh-CN" altLang="en-US" smtClean="0"/>
               <a:pPr/>
-              <a:t>2020/9/30</a:t>
+              <a:t>2020/10/2</a:t>
             </a:fld>
             <a:endParaRPr lang="zh-CN" altLang="en-US"/>
           </a:p>
@@ -2929,7 +2945,7 @@
             <a:fld id="{530820CF-B880-4189-942D-D702A7CBA730}" type="datetimeFigureOut">
               <a:rPr lang="zh-CN" altLang="en-US" smtClean="0"/>
               <a:pPr/>
-              <a:t>2020/9/30</a:t>
+              <a:t>2020/10/2</a:t>
             </a:fld>
             <a:endParaRPr lang="zh-CN" altLang="en-US"/>
           </a:p>
@@ -3392,13 +3408,13 @@
         </p:spPr>
         <p:txBody>
           <a:bodyPr>
-            <a:normAutofit fontScale="90000"/>
+            <a:normAutofit/>
           </a:bodyPr>
           <a:lstStyle/>
           <a:p>
             <a:pPr algn="ctr"/>
             <a:r>
-              <a:rPr lang="en-US" altLang="zh-CN" sz="4000" b="1" dirty="0">
+              <a:rPr lang="en-US" altLang="zh-CN" sz="3000" b="1" dirty="0">
                 <a:solidFill>
                   <a:schemeClr val="bg1"/>
                 </a:solidFill>
@@ -3411,9 +3427,9 @@
                 </a:effectLst>
                 <a:latin typeface="+mn-lt"/>
               </a:rPr>
-              <a:t>Case Study Three: Employment Change From Green Transition</a:t>
-            </a:r>
-            <a:endParaRPr lang="zh-CN" altLang="en-US" sz="4000" b="1" dirty="0">
+              <a:t>Case Study Four: Employment Impacts of A Green Energy Transition</a:t>
+            </a:r>
+            <a:endParaRPr lang="zh-CN" altLang="en-US" sz="3000" b="1" dirty="0">
               <a:solidFill>
                 <a:schemeClr val="bg1"/>
               </a:solidFill>
@@ -3709,13 +3725,19 @@
               <a:buSzPct val="80000"/>
             </a:pPr>
             <a:r>
-              <a:rPr lang="en-US" altLang="zh-CN" sz="2200" dirty="0">
+              <a:rPr lang="en-US" sz="1700" dirty="0">
                 <a:solidFill>
                   <a:srgbClr val="020202"/>
                 </a:solidFill>
+                <a:hlinkClick r:id="rId2"/>
               </a:rPr>
               <a:t>China Data Online</a:t>
             </a:r>
+            <a:endParaRPr lang="en-US" altLang="zh-CN" sz="1700" dirty="0">
+              <a:solidFill>
+                <a:srgbClr val="020202"/>
+              </a:solidFill>
+            </a:endParaRPr>
           </a:p>
           <a:p>
             <a:pPr>
@@ -3731,14 +3753,37 @@
               <a:buSzPct val="80000"/>
             </a:pPr>
             <a:r>
-              <a:rPr lang="en-US" altLang="zh-CN" sz="2200" dirty="0">
+              <a:rPr lang="en-US" altLang="zh-CN" sz="1700" dirty="0">
                 <a:solidFill>
                   <a:srgbClr val="020202"/>
                 </a:solidFill>
               </a:rPr>
-              <a:t>China Industrial Yearbook</a:t>
-            </a:r>
-            <a:endParaRPr lang="en-US" sz="2200" dirty="0">
+              <a:t>China Industrial Yearbooks (2000-2008)</a:t>
+            </a:r>
+          </a:p>
+          <a:p>
+            <a:pPr>
+              <a:lnSpc>
+                <a:spcPct val="100000"/>
+              </a:lnSpc>
+              <a:spcBef>
+                <a:spcPts val="0"/>
+              </a:spcBef>
+              <a:spcAft>
+                <a:spcPts val="600"/>
+              </a:spcAft>
+              <a:buSzPct val="80000"/>
+            </a:pPr>
+            <a:r>
+              <a:rPr lang="en-US" sz="1700" dirty="0">
+                <a:solidFill>
+                  <a:srgbClr val="020202"/>
+                </a:solidFill>
+                <a:hlinkClick r:id="rId3" action="ppaction://hlinkfile"/>
+              </a:rPr>
+              <a:t>China Energy Portal</a:t>
+            </a:r>
+            <a:endParaRPr lang="en-US" sz="1700" dirty="0">
               <a:solidFill>
                 <a:srgbClr val="020202"/>
               </a:solidFill>
@@ -3786,12 +3831,12 @@
               <a:buSzPct val="80000"/>
             </a:pPr>
             <a:r>
-              <a:rPr lang="en-US" sz="2200" dirty="0">
+              <a:rPr lang="en-US" sz="1700" dirty="0">
                 <a:solidFill>
                   <a:srgbClr val="020202"/>
                 </a:solidFill>
               </a:rPr>
-              <a:t>Mean and Coefficient of Variation Within Regional/Sectoral Employment</a:t>
+              <a:t>Mean and Coefficient of Variation Within Regional/Sectoral Employment (China Industrial Yearbooks)</a:t>
             </a:r>
           </a:p>
           <a:p>
@@ -3808,12 +3853,29 @@
               <a:buSzPct val="80000"/>
             </a:pPr>
             <a:r>
-              <a:rPr lang="en-US" sz="2200" dirty="0">
+              <a:rPr lang="en-US" sz="1700" dirty="0">
                 <a:solidFill>
                   <a:srgbClr val="020202"/>
                 </a:solidFill>
               </a:rPr>
-              <a:t>Regional Energy Employment</a:t>
+              <a:t>Regional Energy Employment (</a:t>
+            </a:r>
+            <a:r>
+              <a:rPr lang="en-US" sz="1700" dirty="0">
+                <a:solidFill>
+                  <a:srgbClr val="020202"/>
+                </a:solidFill>
+                <a:hlinkClick r:id="rId2"/>
+              </a:rPr>
+              <a:t>China Data Online</a:t>
+            </a:r>
+            <a:r>
+              <a:rPr lang="en-US" sz="1700" dirty="0">
+                <a:solidFill>
+                  <a:srgbClr val="020202"/>
+                </a:solidFill>
+              </a:rPr>
+              <a:t>)</a:t>
             </a:r>
           </a:p>
           <a:p>
@@ -3830,12 +3892,29 @@
               <a:buSzPct val="80000"/>
             </a:pPr>
             <a:r>
-              <a:rPr lang="en-US" sz="2200" dirty="0">
+              <a:rPr lang="en-US" sz="1700" dirty="0">
                 <a:solidFill>
                   <a:srgbClr val="020202"/>
                 </a:solidFill>
               </a:rPr>
-              <a:t>Energy Production (1995-2006)</a:t>
+              <a:t>Energy Production (1995-2006) (</a:t>
+            </a:r>
+            <a:r>
+              <a:rPr lang="en-US" sz="1700" dirty="0">
+                <a:solidFill>
+                  <a:srgbClr val="020202"/>
+                </a:solidFill>
+                <a:hlinkClick r:id="rId2"/>
+              </a:rPr>
+              <a:t>China Data Online</a:t>
+            </a:r>
+            <a:r>
+              <a:rPr lang="en-US" sz="1700" dirty="0">
+                <a:solidFill>
+                  <a:srgbClr val="020202"/>
+                </a:solidFill>
+              </a:rPr>
+              <a:t>)</a:t>
             </a:r>
           </a:p>
           <a:p>
@@ -3852,13 +3931,35 @@
               <a:buSzPct val="80000"/>
             </a:pPr>
             <a:r>
-              <a:rPr lang="en-US" altLang="zh-CN" sz="2200" dirty="0">
+              <a:rPr lang="en-US" altLang="zh-CN" sz="1700" dirty="0">
                 <a:solidFill>
                   <a:srgbClr val="020202"/>
                 </a:solidFill>
               </a:rPr>
-              <a:t>Energy Production Distribution According to Four Scenarios</a:t>
-            </a:r>
+              <a:t>Cumulative installed solar capacity (</a:t>
+            </a:r>
+            <a:r>
+              <a:rPr lang="en-US" sz="1700" dirty="0">
+                <a:solidFill>
+                  <a:srgbClr val="020202"/>
+                </a:solidFill>
+                <a:hlinkClick r:id="rId3" action="ppaction://hlinkfile"/>
+              </a:rPr>
+              <a:t>China Energy Portal</a:t>
+            </a:r>
+            <a:r>
+              <a:rPr lang="en-US" sz="1700" dirty="0">
+                <a:solidFill>
+                  <a:srgbClr val="020202"/>
+                </a:solidFill>
+              </a:rPr>
+              <a:t>)</a:t>
+            </a:r>
+            <a:endParaRPr lang="en-US" altLang="zh-CN" sz="1700" dirty="0">
+              <a:solidFill>
+                <a:srgbClr val="020202"/>
+              </a:solidFill>
+            </a:endParaRPr>
           </a:p>
           <a:p>
             <a:pPr>
@@ -3874,12 +3975,90 @@
               <a:buSzPct val="80000"/>
             </a:pPr>
             <a:r>
-              <a:rPr lang="en-US" sz="2200" dirty="0">
+              <a:rPr lang="en-US" altLang="zh-CN" sz="1700" dirty="0">
                 <a:solidFill>
                   <a:srgbClr val="020202"/>
                 </a:solidFill>
               </a:rPr>
-              <a:t>Multiple energy employment data for each energy sectors</a:t>
+              <a:t>Cumulative installed wind capacity (2012) (</a:t>
+            </a:r>
+            <a:r>
+              <a:rPr lang="en-US" altLang="zh-CN" sz="1700" dirty="0">
+                <a:solidFill>
+                  <a:srgbClr val="020202"/>
+                </a:solidFill>
+                <a:hlinkClick r:id="rId4"/>
+              </a:rPr>
+              <a:t>LINK</a:t>
+            </a:r>
+            <a:r>
+              <a:rPr lang="en-US" altLang="zh-CN" sz="1700" dirty="0">
+                <a:solidFill>
+                  <a:srgbClr val="020202"/>
+                </a:solidFill>
+              </a:rPr>
+              <a:t>)</a:t>
+            </a:r>
+          </a:p>
+          <a:p>
+            <a:pPr>
+              <a:lnSpc>
+                <a:spcPct val="100000"/>
+              </a:lnSpc>
+              <a:spcBef>
+                <a:spcPts val="0"/>
+              </a:spcBef>
+              <a:spcAft>
+                <a:spcPts val="600"/>
+              </a:spcAft>
+              <a:buSzPct val="80000"/>
+            </a:pPr>
+            <a:r>
+              <a:rPr lang="en-US" altLang="zh-CN" sz="1700" dirty="0">
+                <a:solidFill>
+                  <a:srgbClr val="020202"/>
+                </a:solidFill>
+              </a:rPr>
+              <a:t>Energy Production Distribution According to Four Scenarios (Hsu 2009)</a:t>
+            </a:r>
+          </a:p>
+          <a:p>
+            <a:pPr>
+              <a:lnSpc>
+                <a:spcPct val="100000"/>
+              </a:lnSpc>
+              <a:spcBef>
+                <a:spcPts val="0"/>
+              </a:spcBef>
+              <a:spcAft>
+                <a:spcPts val="600"/>
+              </a:spcAft>
+              <a:buSzPct val="80000"/>
+            </a:pPr>
+            <a:r>
+              <a:rPr lang="en-US" sz="1700" dirty="0">
+                <a:solidFill>
+                  <a:srgbClr val="020202"/>
+                </a:solidFill>
+              </a:rPr>
+              <a:t>Multiple energy employment data for each energy sectors (</a:t>
+            </a:r>
+            <a:r>
+              <a:rPr lang="en-US" sz="1700" dirty="0">
+                <a:solidFill>
+                  <a:srgbClr val="020202"/>
+                </a:solidFill>
+                <a:hlinkClick r:id="rId2"/>
+              </a:rPr>
+              <a:t>China Data Online</a:t>
+            </a:r>
+            <a:r>
+              <a:rPr lang="en-US" sz="1700" dirty="0">
+                <a:solidFill>
+                  <a:srgbClr val="020202"/>
+                </a:solidFill>
+              </a:rPr>
+              <a:t>)</a:t>
             </a:r>
           </a:p>
         </p:txBody>
@@ -3980,7 +4159,7 @@
           <p:nvPr/>
         </p:nvPicPr>
         <p:blipFill rotWithShape="1">
-          <a:blip r:embed="rId2"/>
+          <a:blip r:embed="rId5"/>
           <a:srcRect b="19756"/>
           <a:stretch/>
         </p:blipFill>
@@ -4009,15 +4188,15 @@
           <p:nvPr/>
         </p:nvPicPr>
         <p:blipFill>
-          <a:blip r:embed="rId3"/>
+          <a:blip r:embed="rId6"/>
           <a:stretch>
             <a:fillRect/>
           </a:stretch>
         </p:blipFill>
         <p:spPr>
           <a:xfrm>
-            <a:off x="8170192" y="4802721"/>
-            <a:ext cx="1647825" cy="1792371"/>
+            <a:off x="8027662" y="4647689"/>
+            <a:ext cx="1790355" cy="1947404"/>
           </a:xfrm>
           <a:prstGeom prst="rect">
             <a:avLst/>
@@ -4039,15 +4218,15 @@
           <p:nvPr/>
         </p:nvPicPr>
         <p:blipFill>
-          <a:blip r:embed="rId4"/>
+          <a:blip r:embed="rId7"/>
           <a:stretch>
             <a:fillRect/>
           </a:stretch>
         </p:blipFill>
         <p:spPr>
           <a:xfrm>
-            <a:off x="9991431" y="4746725"/>
-            <a:ext cx="2000727" cy="1904362"/>
+            <a:off x="9818017" y="4581663"/>
+            <a:ext cx="2174141" cy="2069424"/>
           </a:xfrm>
           <a:prstGeom prst="rect">
             <a:avLst/>
@@ -4114,15 +4293,15 @@
         </p:spPr>
         <p:txBody>
           <a:bodyPr>
-            <a:normAutofit fontScale="90000"/>
+            <a:normAutofit/>
           </a:bodyPr>
           <a:lstStyle/>
           <a:p>
             <a:pPr algn="ctr"/>
             <a:r>
-              <a:rPr lang="en-US" altLang="zh-CN" sz="4000" b="1" dirty="0">
-                <a:solidFill>
-                  <a:schemeClr val="bg1"/>
+              <a:rPr lang="en-US" altLang="zh-CN" sz="3000" b="1" dirty="0">
+                <a:solidFill>
+                  <a:prstClr val="white"/>
                 </a:solidFill>
                 <a:effectLst>
                   <a:outerShdw blurRad="38100" dist="38100" dir="2700000" algn="tl">
@@ -4131,9 +4310,9 @@
                     </a:srgbClr>
                   </a:outerShdw>
                 </a:effectLst>
-                <a:latin typeface="+mn-lt"/>
+                <a:latin typeface="Calibri" panose="020F0502020204030204"/>
               </a:rPr>
-              <a:t>Case Study Three: Employment Change From Green Transition</a:t>
+              <a:t>Case Study Four: Employment Impacts of A Green Energy Transition</a:t>
             </a:r>
             <a:endParaRPr lang="zh-CN" altLang="en-US" sz="4000" b="1" dirty="0">
               <a:solidFill>
@@ -4166,7 +4345,7 @@
         <p:spPr>
           <a:xfrm>
             <a:off x="1123193" y="4687102"/>
-            <a:ext cx="1660645" cy="923330"/>
+            <a:ext cx="1660645" cy="1200329"/>
           </a:xfrm>
           <a:prstGeom prst="rect">
             <a:avLst/>
@@ -4195,7 +4374,7 @@
             <a:pPr algn="ctr"/>
             <a:r>
               <a:rPr lang="en-US" dirty="0"/>
-              <a:t>Data Extraction from CDI and CIY</a:t>
+              <a:t>Data Extraction from CDI and China Industrial Yearbook</a:t>
             </a:r>
           </a:p>
         </p:txBody>
@@ -4214,7 +4393,7 @@
         </p:nvSpPr>
         <p:spPr>
           <a:xfrm>
-            <a:off x="1145977" y="5678853"/>
+            <a:off x="1128816" y="6010668"/>
             <a:ext cx="1637861" cy="646331"/>
           </a:xfrm>
           <a:prstGeom prst="rect">
@@ -4422,8 +4601,8 @@
         </p:nvCxnSpPr>
         <p:spPr>
           <a:xfrm>
-            <a:off x="2783838" y="5148767"/>
-            <a:ext cx="719874" cy="311783"/>
+            <a:off x="2783838" y="5287267"/>
+            <a:ext cx="719874" cy="173283"/>
           </a:xfrm>
           <a:prstGeom prst="straightConnector1">
             <a:avLst/>
@@ -4465,8 +4644,8 @@
         </p:nvCxnSpPr>
         <p:spPr>
           <a:xfrm flipV="1">
-            <a:off x="2783838" y="5460550"/>
-            <a:ext cx="719874" cy="541469"/>
+            <a:off x="2766677" y="5460550"/>
+            <a:ext cx="737035" cy="873284"/>
           </a:xfrm>
           <a:prstGeom prst="straightConnector1">
             <a:avLst/>
@@ -5451,7 +5630,7 @@
         </p:nvSpPr>
         <p:spPr>
           <a:xfrm>
-            <a:off x="1123193" y="1645453"/>
+            <a:off x="1123193" y="1550464"/>
             <a:ext cx="9670498" cy="1200329"/>
           </a:xfrm>
           <a:prstGeom prst="rect">
@@ -5489,6 +5668,37 @@
               <a:t> year plan is calculated. Then, from ‘greener’ and ‘greenest’ scenarios, the effects of a hypothetical energy industry transformation on job creation and destruction is estimated.</a:t>
             </a:r>
             <a:endParaRPr lang="zh-CN" altLang="en-US" sz="1200" dirty="0"/>
+          </a:p>
+        </p:txBody>
+      </p:sp>
+      <p:sp>
+        <p:nvSpPr>
+          <p:cNvPr id="5" name="Rectangle 4">
+            <a:extLst>
+              <a:ext uri="{FF2B5EF4-FFF2-40B4-BE49-F238E27FC236}">
+                <a16:creationId xmlns:a16="http://schemas.microsoft.com/office/drawing/2014/main" id="{3893E3B1-0673-444A-83BD-E56160649F7E}"/>
+              </a:ext>
+            </a:extLst>
+          </p:cNvPr>
+          <p:cNvSpPr/>
+          <p:nvPr/>
+        </p:nvSpPr>
+        <p:spPr>
+          <a:xfrm>
+            <a:off x="922480" y="2890468"/>
+            <a:ext cx="184731" cy="369332"/>
+          </a:xfrm>
+          <a:prstGeom prst="rect">
+            <a:avLst/>
+          </a:prstGeom>
+        </p:spPr>
+        <p:txBody>
+          <a:bodyPr wrap="none">
+            <a:spAutoFit/>
+          </a:bodyPr>
+          <a:lstStyle/>
+          <a:p>
+            <a:endParaRPr lang="en-US" dirty="0"/>
           </a:p>
         </p:txBody>
       </p:sp>
@@ -5552,15 +5762,15 @@
         </p:spPr>
         <p:txBody>
           <a:bodyPr>
-            <a:normAutofit fontScale="90000"/>
+            <a:normAutofit/>
           </a:bodyPr>
           <a:lstStyle/>
           <a:p>
             <a:pPr algn="ctr"/>
             <a:r>
-              <a:rPr lang="en-US" altLang="zh-CN" sz="4000" b="1" dirty="0">
-                <a:solidFill>
-                  <a:schemeClr val="bg1"/>
+              <a:rPr lang="en-US" altLang="zh-CN" sz="3000" b="1" dirty="0">
+                <a:solidFill>
+                  <a:prstClr val="white"/>
                 </a:solidFill>
                 <a:effectLst>
                   <a:outerShdw blurRad="38100" dist="38100" dir="2700000" algn="tl">
@@ -5569,9 +5779,9 @@
                     </a:srgbClr>
                   </a:outerShdw>
                 </a:effectLst>
-                <a:latin typeface="+mn-lt"/>
+                <a:latin typeface="Calibri" panose="020F0502020204030204"/>
               </a:rPr>
-              <a:t>Case Study Three: Employment Change From Green Transition</a:t>
+              <a:t>Case Study Four: Employment Impacts of A Green Energy Transition</a:t>
             </a:r>
             <a:endParaRPr lang="zh-CN" altLang="en-US" sz="4000" b="1" dirty="0">
               <a:solidFill>
@@ -5792,36 +6002,6 @@
           </a:p>
         </p:txBody>
       </p:sp>
-      <p:pic>
-        <p:nvPicPr>
-          <p:cNvPr id="20" name="Picture 19">
-            <a:extLst>
-              <a:ext uri="{FF2B5EF4-FFF2-40B4-BE49-F238E27FC236}">
-                <a16:creationId xmlns:a16="http://schemas.microsoft.com/office/drawing/2014/main" id="{520BBE30-1A57-48E6-877A-554789B668DF}"/>
-              </a:ext>
-            </a:extLst>
-          </p:cNvPr>
-          <p:cNvPicPr>
-            <a:picLocks noChangeAspect="1"/>
-          </p:cNvPicPr>
-          <p:nvPr/>
-        </p:nvPicPr>
-        <p:blipFill>
-          <a:blip r:embed="rId2"/>
-          <a:stretch>
-            <a:fillRect/>
-          </a:stretch>
-        </p:blipFill>
-        <p:spPr>
-          <a:xfrm>
-            <a:off x="316048" y="1644976"/>
-            <a:ext cx="6037618" cy="1628752"/>
-          </a:xfrm>
-          <a:prstGeom prst="rect">
-            <a:avLst/>
-          </a:prstGeom>
-        </p:spPr>
-      </p:pic>
       <p:sp>
         <p:nvSpPr>
           <p:cNvPr id="9" name="Rectangle 8">
@@ -5836,8 +6016,8 @@
         </p:nvSpPr>
         <p:spPr>
           <a:xfrm>
-            <a:off x="674457" y="3338602"/>
-            <a:ext cx="5240794" cy="369332"/>
+            <a:off x="1186282" y="3493316"/>
+            <a:ext cx="2998193" cy="369332"/>
           </a:xfrm>
           <a:prstGeom prst="rect">
             <a:avLst/>
@@ -5855,7 +6035,7 @@
                   <a:srgbClr val="333333"/>
                 </a:solidFill>
               </a:rPr>
-              <a:t>Mean Per Regional/Sectoral Employment (1999-2007)</a:t>
+              <a:t>Employment By Energy Sector</a:t>
             </a:r>
             <a:endParaRPr lang="en-US" dirty="0"/>
           </a:p>
@@ -5876,7 +6056,7 @@
           <p:nvPr/>
         </p:nvPicPr>
         <p:blipFill>
-          <a:blip r:embed="rId3"/>
+          <a:blip r:embed="rId2"/>
           <a:stretch>
             <a:fillRect/>
           </a:stretch>
@@ -5940,7 +6120,7 @@
           <p:nvPr/>
         </p:nvPicPr>
         <p:blipFill rotWithShape="1">
-          <a:blip r:embed="rId4">
+          <a:blip r:embed="rId3">
             <a:extLst>
               <a:ext uri="{28A0092B-C50C-407E-A947-70E740481C1C}">
                 <a14:useLocalDpi xmlns:a14="http://schemas.microsoft.com/office/drawing/2010/main" val="0"/>
@@ -6012,6 +6192,36 @@
           </a:p>
         </p:txBody>
       </p:sp>
+      <p:pic>
+        <p:nvPicPr>
+          <p:cNvPr id="3" name="Picture 2">
+            <a:extLst>
+              <a:ext uri="{FF2B5EF4-FFF2-40B4-BE49-F238E27FC236}">
+                <a16:creationId xmlns:a16="http://schemas.microsoft.com/office/drawing/2014/main" id="{3B35DCF3-35CB-4E04-B325-85DD9B3C4ED6}"/>
+              </a:ext>
+            </a:extLst>
+          </p:cNvPr>
+          <p:cNvPicPr>
+            <a:picLocks noChangeAspect="1"/>
+          </p:cNvPicPr>
+          <p:nvPr/>
+        </p:nvPicPr>
+        <p:blipFill>
+          <a:blip r:embed="rId4"/>
+          <a:stretch>
+            <a:fillRect/>
+          </a:stretch>
+        </p:blipFill>
+        <p:spPr>
+          <a:xfrm>
+            <a:off x="1221277" y="1386647"/>
+            <a:ext cx="2928204" cy="2197892"/>
+          </a:xfrm>
+          <a:prstGeom prst="rect">
+            <a:avLst/>
+          </a:prstGeom>
+        </p:spPr>
+      </p:pic>
     </p:spTree>
     <p:extLst>
       <p:ext uri="{BB962C8B-B14F-4D97-AF65-F5344CB8AC3E}">
@@ -6072,21 +6282,28 @@
         </p:spPr>
         <p:txBody>
           <a:bodyPr>
-            <a:normAutofit fontScale="90000"/>
+            <a:noAutofit/>
           </a:bodyPr>
           <a:lstStyle/>
           <a:p>
             <a:pPr algn="ctr"/>
             <a:r>
-              <a:rPr lang="en-US" altLang="zh-CN" b="1" dirty="0">
-                <a:solidFill>
-                  <a:schemeClr val="bg1"/>
-                </a:solidFill>
-                <a:latin typeface="+mn-lt"/>
+              <a:rPr lang="en-US" altLang="zh-CN" sz="3000" b="1" dirty="0">
+                <a:solidFill>
+                  <a:prstClr val="white"/>
+                </a:solidFill>
+                <a:effectLst>
+                  <a:outerShdw blurRad="38100" dist="38100" dir="2700000" algn="tl">
+                    <a:srgbClr val="000000">
+                      <a:alpha val="43137"/>
+                    </a:srgbClr>
+                  </a:outerShdw>
+                </a:effectLst>
+                <a:latin typeface="Calibri" panose="020F0502020204030204"/>
               </a:rPr>
-              <a:t>Online Demonstration</a:t>
-            </a:r>
-            <a:endParaRPr lang="zh-CN" altLang="en-US" b="1" dirty="0">
+              <a:t>Case Study Four: Employment Impacts of A Green Energy Transition</a:t>
+            </a:r>
+            <a:endParaRPr lang="zh-CN" altLang="en-US" sz="3500" b="1" dirty="0">
               <a:solidFill>
                 <a:schemeClr val="bg1"/>
               </a:solidFill>
@@ -6095,10 +6312,92 @@
           </a:p>
         </p:txBody>
       </p:sp>
+      <p:pic>
+        <p:nvPicPr>
+          <p:cNvPr id="3" name="Picture 2">
+            <a:extLst>
+              <a:ext uri="{FF2B5EF4-FFF2-40B4-BE49-F238E27FC236}">
+                <a16:creationId xmlns:a16="http://schemas.microsoft.com/office/drawing/2014/main" id="{C42F2BC7-E66E-48E0-A3D6-665199E0AF80}"/>
+              </a:ext>
+            </a:extLst>
+          </p:cNvPr>
+          <p:cNvPicPr>
+            <a:picLocks noChangeAspect="1"/>
+          </p:cNvPicPr>
+          <p:nvPr/>
+        </p:nvPicPr>
+        <p:blipFill>
+          <a:blip r:embed="rId2"/>
+          <a:stretch>
+            <a:fillRect/>
+          </a:stretch>
+        </p:blipFill>
+        <p:spPr>
+          <a:xfrm>
+            <a:off x="384172" y="996885"/>
+            <a:ext cx="11214270" cy="5761096"/>
+          </a:xfrm>
+          <a:prstGeom prst="rect">
+            <a:avLst/>
+          </a:prstGeom>
+        </p:spPr>
+      </p:pic>
+      <p:sp>
+        <p:nvSpPr>
+          <p:cNvPr id="4" name="Rectangle 3">
+            <a:extLst>
+              <a:ext uri="{FF2B5EF4-FFF2-40B4-BE49-F238E27FC236}">
+                <a16:creationId xmlns:a16="http://schemas.microsoft.com/office/drawing/2014/main" id="{350609B5-BBFE-4B6D-97B2-33977E0BB086}"/>
+              </a:ext>
+            </a:extLst>
+          </p:cNvPr>
+          <p:cNvSpPr/>
+          <p:nvPr/>
+        </p:nvSpPr>
+        <p:spPr>
+          <a:xfrm>
+            <a:off x="384172" y="980843"/>
+            <a:ext cx="11214270" cy="2163410"/>
+          </a:xfrm>
+          <a:prstGeom prst="rect">
+            <a:avLst/>
+          </a:prstGeom>
+          <a:noFill/>
+          <a:ln w="28575">
+            <a:solidFill>
+              <a:srgbClr val="FF0000"/>
+            </a:solidFill>
+          </a:ln>
+        </p:spPr>
+        <p:style>
+          <a:lnRef idx="2">
+            <a:schemeClr val="accent1">
+              <a:shade val="50000"/>
+            </a:schemeClr>
+          </a:lnRef>
+          <a:fillRef idx="1">
+            <a:schemeClr val="accent1"/>
+          </a:fillRef>
+          <a:effectRef idx="0">
+            <a:schemeClr val="accent1"/>
+          </a:effectRef>
+          <a:fontRef idx="minor">
+            <a:schemeClr val="lt1"/>
+          </a:fontRef>
+        </p:style>
+        <p:txBody>
+          <a:bodyPr rtlCol="0" anchor="ctr"/>
+          <a:lstStyle/>
+          <a:p>
+            <a:pPr algn="ctr"/>
+            <a:endParaRPr lang="en-US"/>
+          </a:p>
+        </p:txBody>
+      </p:sp>
     </p:spTree>
     <p:extLst>
       <p:ext uri="{BB962C8B-B14F-4D97-AF65-F5344CB8AC3E}">
-        <p14:creationId xmlns:p14="http://schemas.microsoft.com/office/powerpoint/2010/main" val="754521871"/>
+        <p14:creationId xmlns:p14="http://schemas.microsoft.com/office/powerpoint/2010/main" val="1917165771"/>
       </p:ext>
     </p:extLst>
   </p:cSld>
@@ -6149,41 +6448,335 @@
         </p:nvSpPr>
         <p:spPr>
           <a:xfrm>
-            <a:off x="0" y="188640"/>
-            <a:ext cx="12144672" cy="543595"/>
+            <a:off x="12500" y="129447"/>
+            <a:ext cx="12192000" cy="764704"/>
           </a:xfrm>
         </p:spPr>
         <p:txBody>
           <a:bodyPr>
-            <a:noAutofit/>
+            <a:normAutofit/>
           </a:bodyPr>
           <a:lstStyle/>
           <a:p>
             <a:pPr algn="ctr"/>
             <a:r>
-              <a:rPr lang="en-US" altLang="zh-CN" sz="3500" b="1" dirty="0">
-                <a:solidFill>
-                  <a:schemeClr val="bg1"/>
-                </a:solidFill>
-                <a:latin typeface="+mn-lt"/>
+              <a:rPr lang="en-US" altLang="zh-CN" sz="3000" b="1" dirty="0">
+                <a:solidFill>
+                  <a:prstClr val="white"/>
+                </a:solidFill>
+                <a:effectLst>
+                  <a:outerShdw blurRad="38100" dist="38100" dir="2700000" algn="tl">
+                    <a:srgbClr val="000000">
+                      <a:alpha val="43137"/>
+                    </a:srgbClr>
+                  </a:outerShdw>
+                </a:effectLst>
+                <a:latin typeface="Calibri" panose="020F0502020204030204"/>
               </a:rPr>
-              <a:t>Case Study Three: Employment Change From Green Transition</a:t>
-            </a:r>
-            <a:endParaRPr lang="zh-CN" altLang="en-US" sz="3500" b="1" dirty="0">
+              <a:t>Case Study Four: Employment Impacts of A Green Energy Transition</a:t>
+            </a:r>
+            <a:endParaRPr lang="zh-CN" altLang="en-US" sz="4000" b="1" dirty="0">
               <a:solidFill>
                 <a:schemeClr val="bg1"/>
               </a:solidFill>
+              <a:effectLst>
+                <a:outerShdw blurRad="38100" dist="38100" dir="2700000" algn="tl">
+                  <a:srgbClr val="000000">
+                    <a:alpha val="43137"/>
+                  </a:srgbClr>
+                </a:outerShdw>
+              </a:effectLst>
               <a:latin typeface="+mn-lt"/>
             </a:endParaRPr>
           </a:p>
         </p:txBody>
       </p:sp>
+      <p:sp>
+        <p:nvSpPr>
+          <p:cNvPr id="4" name="TextBox 1">
+            <a:extLst>
+              <a:ext uri="{FF2B5EF4-FFF2-40B4-BE49-F238E27FC236}">
+                <a16:creationId xmlns:a16="http://schemas.microsoft.com/office/drawing/2014/main" id="{24B24C06-429E-40F0-BF32-EA351A1A780E}"/>
+              </a:ext>
+            </a:extLst>
+          </p:cNvPr>
+          <p:cNvSpPr txBox="1"/>
+          <p:nvPr/>
+        </p:nvSpPr>
+        <p:spPr>
+          <a:xfrm>
+            <a:off x="551384" y="1596651"/>
+            <a:ext cx="11640616" cy="5016758"/>
+          </a:xfrm>
+          <a:prstGeom prst="rect">
+            <a:avLst/>
+          </a:prstGeom>
+          <a:noFill/>
+        </p:spPr>
+        <p:txBody>
+          <a:bodyPr wrap="square" rtlCol="0">
+            <a:spAutoFit/>
+          </a:bodyPr>
+          <a:lstStyle/>
+          <a:p>
+            <a:r>
+              <a:rPr lang="en-US" sz="2000" b="1" dirty="0"/>
+              <a:t>Step 1</a:t>
+            </a:r>
+            <a:r>
+              <a:rPr lang="en-US" sz="2000" dirty="0"/>
+              <a:t>: </a:t>
+            </a:r>
+            <a:r>
+              <a:rPr lang="en-US" sz="2000" b="1" dirty="0"/>
+              <a:t>Download data and unzip </a:t>
+            </a:r>
+            <a:r>
+              <a:rPr lang="en-US" sz="2000" dirty="0"/>
+              <a:t>from </a:t>
+            </a:r>
+            <a:r>
+              <a:rPr lang="en-US" sz="1200" dirty="0">
+                <a:hlinkClick r:id="rId2"/>
+              </a:rPr>
+              <a:t>https://drive.google.com/drive/folders/1OX-G2w6nSDVuVKEkrQ4EwZ5UhhNkmCLB?usp=sharing</a:t>
+            </a:r>
+            <a:r>
+              <a:rPr lang="en-US" sz="1200" dirty="0"/>
+              <a:t> </a:t>
+            </a:r>
+          </a:p>
+          <a:p>
+            <a:r>
+              <a:rPr lang="en-US" sz="2000" b="1" dirty="0"/>
+              <a:t>Step 2</a:t>
+            </a:r>
+            <a:r>
+              <a:rPr lang="en-US" sz="2000" dirty="0"/>
+              <a:t>: </a:t>
+            </a:r>
+            <a:r>
+              <a:rPr lang="en-US" sz="2000" b="1" dirty="0"/>
+              <a:t>Download workflow</a:t>
+            </a:r>
+            <a:r>
+              <a:rPr lang="en-US" sz="2000" dirty="0"/>
+              <a:t> from </a:t>
+            </a:r>
+            <a:r>
+              <a:rPr lang="en-US" sz="1300" dirty="0">
+                <a:hlinkClick r:id="rId2"/>
+              </a:rPr>
+              <a:t>https://drive.google.com/drive/folders/1OX-G2w6nSDVuVKEkrQ4EwZ5UhhNkmCLB?usp=sharing</a:t>
+            </a:r>
+            <a:r>
+              <a:rPr lang="en-US" sz="1300" dirty="0"/>
+              <a:t> </a:t>
+            </a:r>
+          </a:p>
+          <a:p>
+            <a:r>
+              <a:rPr lang="en-US" altLang="zh-CN" sz="2000" b="1" dirty="0"/>
+              <a:t>Step 3</a:t>
+            </a:r>
+            <a:r>
+              <a:rPr lang="en-US" altLang="zh-CN" sz="2000" dirty="0"/>
+              <a:t>: </a:t>
+            </a:r>
+            <a:r>
+              <a:rPr lang="en-US" altLang="zh-CN" sz="2000" b="1" dirty="0"/>
+              <a:t>Open KNIME </a:t>
+            </a:r>
+            <a:r>
+              <a:rPr lang="en-US" altLang="zh-CN" sz="2000" dirty="0"/>
+              <a:t>from local PC or China Data Lab Cloud Platform (in building)</a:t>
+            </a:r>
+          </a:p>
+          <a:p>
+            <a:r>
+              <a:rPr lang="en-US" altLang="zh-CN" sz="2000" b="1" dirty="0"/>
+              <a:t>Step 4</a:t>
+            </a:r>
+            <a:r>
+              <a:rPr lang="en-US" altLang="zh-CN" sz="2000" dirty="0"/>
+              <a:t>: </a:t>
+            </a:r>
+            <a:r>
+              <a:rPr lang="en-US" altLang="zh-CN" sz="2000" b="1" dirty="0"/>
+              <a:t>Import KNIME workflow </a:t>
+            </a:r>
+            <a:r>
+              <a:rPr lang="en-US" altLang="zh-CN" sz="2000" dirty="0"/>
+              <a:t>file (Employment Impacts of a Energy </a:t>
+            </a:r>
+            <a:r>
+              <a:rPr lang="en-US" altLang="zh-CN" sz="2000" dirty="0" err="1"/>
+              <a:t>Transition.knwf</a:t>
+            </a:r>
+            <a:r>
+              <a:rPr lang="en-US" altLang="zh-CN" sz="2000" dirty="0"/>
+              <a:t>)</a:t>
+            </a:r>
+            <a:endParaRPr lang="en-US" altLang="zh-CN" sz="2000" dirty="0">
+              <a:solidFill>
+                <a:schemeClr val="tx1">
+                  <a:lumMod val="95000"/>
+                  <a:lumOff val="5000"/>
+                </a:schemeClr>
+              </a:solidFill>
+            </a:endParaRPr>
+          </a:p>
+          <a:p>
+            <a:r>
+              <a:rPr lang="en-US" altLang="zh-CN" sz="2000" b="1" dirty="0"/>
+              <a:t>Step 5</a:t>
+            </a:r>
+            <a:r>
+              <a:rPr lang="en-US" altLang="zh-CN" sz="2000" dirty="0"/>
+              <a:t>: </a:t>
+            </a:r>
+            <a:r>
+              <a:rPr lang="en-US" altLang="zh-CN" sz="2000" b="1" dirty="0"/>
+              <a:t>Configure all nodes in “data collection”</a:t>
+            </a:r>
+            <a:endParaRPr lang="en-US" altLang="zh-CN" sz="2000" dirty="0"/>
+          </a:p>
+          <a:p>
+            <a:r>
+              <a:rPr lang="en-US" altLang="zh-CN" sz="2000" dirty="0"/>
+              <a:t>Step 6: </a:t>
+            </a:r>
+            <a:r>
+              <a:rPr lang="en-US" altLang="zh-CN" sz="2000" b="1" dirty="0"/>
+              <a:t>Configure all nodes in “exporting output”</a:t>
+            </a:r>
+            <a:endParaRPr lang="en-US" altLang="zh-CN" sz="2000" dirty="0"/>
+          </a:p>
+          <a:p>
+            <a:r>
+              <a:rPr lang="en-US" altLang="zh-CN" sz="2000" dirty="0"/>
+              <a:t>Step 6: Click </a:t>
+            </a:r>
+            <a:r>
+              <a:rPr lang="en-US" altLang="zh-CN" sz="2000" b="1" dirty="0"/>
+              <a:t>Run</a:t>
+            </a:r>
+            <a:r>
+              <a:rPr lang="en-US" altLang="zh-CN" sz="2000" dirty="0"/>
+              <a:t>       function from the top menu </a:t>
+            </a:r>
+          </a:p>
+          <a:p>
+            <a:r>
+              <a:rPr lang="en-US" altLang="zh-CN" sz="2000" b="1" dirty="0"/>
+              <a:t>Step 7</a:t>
+            </a:r>
+            <a:r>
+              <a:rPr lang="en-US" altLang="zh-CN" sz="2000" dirty="0"/>
+              <a:t>: </a:t>
+            </a:r>
+            <a:r>
+              <a:rPr lang="en-US" altLang="zh-CN" sz="2000" b="1" dirty="0"/>
+              <a:t>Display</a:t>
+            </a:r>
+            <a:r>
+              <a:rPr lang="en-US" altLang="zh-CN" sz="2000" dirty="0"/>
+              <a:t> </a:t>
+            </a:r>
+            <a:r>
+              <a:rPr lang="en-US" altLang="zh-CN" sz="2000" b="1" dirty="0"/>
+              <a:t>the outputs</a:t>
+            </a:r>
+            <a:r>
+              <a:rPr lang="en-US" altLang="zh-CN" sz="2000" dirty="0"/>
+              <a:t>:</a:t>
+            </a:r>
+          </a:p>
+          <a:p>
+            <a:pPr marL="742950" lvl="1" indent="-285750">
+              <a:buFont typeface="Courier New" panose="02070309020205020404" pitchFamily="49" charset="0"/>
+              <a:buChar char="o"/>
+            </a:pPr>
+            <a:r>
+              <a:rPr lang="en-US" altLang="zh-CN" sz="2000" b="1" dirty="0"/>
+              <a:t>Coefficient of variation (A1).csv</a:t>
+            </a:r>
+          </a:p>
+          <a:p>
+            <a:pPr marL="742950" lvl="1" indent="-285750">
+              <a:buFont typeface="Courier New" panose="02070309020205020404" pitchFamily="49" charset="0"/>
+              <a:buChar char="o"/>
+            </a:pPr>
+            <a:r>
+              <a:rPr lang="en-US" altLang="zh-CN" sz="2000" b="1" dirty="0"/>
+              <a:t>Mean Employment (A2).csv</a:t>
+            </a:r>
+          </a:p>
+          <a:p>
+            <a:pPr marL="742950" lvl="1" indent="-285750">
+              <a:buFont typeface="Courier New" panose="02070309020205020404" pitchFamily="49" charset="0"/>
+              <a:buChar char="o"/>
+            </a:pPr>
+            <a:r>
+              <a:rPr lang="en-US" altLang="zh-CN" sz="2000" b="1" dirty="0"/>
+              <a:t>Regional percentage of total employment in four scenarios.csv</a:t>
+            </a:r>
+          </a:p>
+          <a:p>
+            <a:pPr marL="742950" lvl="1" indent="-285750">
+              <a:buFont typeface="Courier New" panose="02070309020205020404" pitchFamily="49" charset="0"/>
+              <a:buChar char="o"/>
+            </a:pPr>
+            <a:r>
+              <a:rPr lang="en-US" altLang="zh-CN" sz="2000" b="1" dirty="0"/>
+              <a:t>Employment Map.png</a:t>
+            </a:r>
+          </a:p>
+          <a:p>
+            <a:pPr marL="742950" lvl="1" indent="-285750">
+              <a:buFont typeface="Courier New" panose="02070309020205020404" pitchFamily="49" charset="0"/>
+              <a:buChar char="o"/>
+            </a:pPr>
+            <a:r>
+              <a:rPr lang="en-US" altLang="zh-CN" sz="2000" b="1" dirty="0"/>
+              <a:t>Regional energy employment (A3).csv</a:t>
+            </a:r>
+          </a:p>
+          <a:p>
+            <a:pPr marL="742950" lvl="1" indent="-285750">
+              <a:buFont typeface="Courier New" panose="02070309020205020404" pitchFamily="49" charset="0"/>
+              <a:buChar char="o"/>
+            </a:pPr>
+            <a:r>
+              <a:rPr lang="en-US" altLang="zh-CN" sz="2000" b="1" dirty="0"/>
+              <a:t>Regional Employment Bar Chart.png</a:t>
+            </a:r>
+          </a:p>
+          <a:p>
+            <a:pPr marL="742950" lvl="1" indent="-285750">
+              <a:buFont typeface="Courier New" panose="02070309020205020404" pitchFamily="49" charset="0"/>
+              <a:buChar char="o"/>
+            </a:pPr>
+            <a:r>
+              <a:rPr lang="en-US" altLang="zh-CN" sz="2000" b="1" dirty="0"/>
+              <a:t>Energy Production.csv</a:t>
+            </a:r>
+          </a:p>
+          <a:p>
+            <a:pPr marL="742950" lvl="1" indent="-285750">
+              <a:buFont typeface="Courier New" panose="02070309020205020404" pitchFamily="49" charset="0"/>
+              <a:buChar char="o"/>
+            </a:pPr>
+            <a:endParaRPr lang="zh-CN" altLang="en-US" sz="2000" dirty="0"/>
+          </a:p>
+        </p:txBody>
+      </p:sp>
       <p:pic>
         <p:nvPicPr>
-          <p:cNvPr id="5" name="Picture 4">
+          <p:cNvPr id="5" name="Picture 2">
             <a:extLst>
               <a:ext uri="{FF2B5EF4-FFF2-40B4-BE49-F238E27FC236}">
-                <a16:creationId xmlns:a16="http://schemas.microsoft.com/office/drawing/2014/main" id="{149D631E-0FF0-4988-A339-AC138A7501FD}"/>
+                <a16:creationId xmlns:a16="http://schemas.microsoft.com/office/drawing/2014/main" id="{E77D5926-3512-4F57-953B-1144869DEFE7}"/>
               </a:ext>
             </a:extLst>
           </p:cNvPr>
@@ -6193,25 +6786,229 @@
           <p:nvPr/>
         </p:nvPicPr>
         <p:blipFill>
-          <a:blip r:embed="rId2"/>
+          <a:blip r:embed="rId3"/>
           <a:stretch>
             <a:fillRect/>
           </a:stretch>
         </p:blipFill>
         <p:spPr>
           <a:xfrm>
-            <a:off x="1171723" y="1424724"/>
-            <a:ext cx="9801225" cy="4781550"/>
+            <a:off x="2428142" y="3526875"/>
+            <a:ext cx="304800" cy="243840"/>
           </a:xfrm>
           <a:prstGeom prst="rect">
             <a:avLst/>
           </a:prstGeom>
         </p:spPr>
       </p:pic>
+      <p:sp>
+        <p:nvSpPr>
+          <p:cNvPr id="3" name="Content Placeholder 2">
+            <a:extLst>
+              <a:ext uri="{FF2B5EF4-FFF2-40B4-BE49-F238E27FC236}">
+                <a16:creationId xmlns:a16="http://schemas.microsoft.com/office/drawing/2014/main" id="{85102495-6A70-402E-93AD-C72C2F942BBB}"/>
+              </a:ext>
+            </a:extLst>
+          </p:cNvPr>
+          <p:cNvSpPr txBox="1">
+            <a:spLocks/>
+          </p:cNvSpPr>
+          <p:nvPr/>
+        </p:nvSpPr>
+        <p:spPr>
+          <a:xfrm>
+            <a:off x="340592" y="1000764"/>
+            <a:ext cx="5683400" cy="510334"/>
+          </a:xfrm>
+          <a:prstGeom prst="rect">
+            <a:avLst/>
+          </a:prstGeom>
+        </p:spPr>
+        <p:txBody>
+          <a:bodyPr vert="horz" lIns="91440" tIns="45720" rIns="91440" bIns="45720" rtlCol="0">
+            <a:noAutofit/>
+          </a:bodyPr>
+          <a:lstStyle>
+            <a:lvl1pPr marL="228600" indent="-228600" algn="l" defTabSz="914400" rtl="0" eaLnBrk="1" latinLnBrk="0" hangingPunct="1">
+              <a:lnSpc>
+                <a:spcPct val="90000"/>
+              </a:lnSpc>
+              <a:spcBef>
+                <a:spcPts val="1000"/>
+              </a:spcBef>
+              <a:buFont typeface="Arial" panose="020B0604020202020204" pitchFamily="34" charset="0"/>
+              <a:buChar char="•"/>
+              <a:defRPr sz="2800" kern="1200">
+                <a:solidFill>
+                  <a:schemeClr val="tx1"/>
+                </a:solidFill>
+                <a:latin typeface="+mn-lt"/>
+                <a:ea typeface="+mn-ea"/>
+                <a:cs typeface="+mn-cs"/>
+              </a:defRPr>
+            </a:lvl1pPr>
+            <a:lvl2pPr marL="685800" indent="-228600" algn="l" defTabSz="914400" rtl="0" eaLnBrk="1" latinLnBrk="0" hangingPunct="1">
+              <a:lnSpc>
+                <a:spcPct val="90000"/>
+              </a:lnSpc>
+              <a:spcBef>
+                <a:spcPts val="500"/>
+              </a:spcBef>
+              <a:buFont typeface="Arial" panose="020B0604020202020204" pitchFamily="34" charset="0"/>
+              <a:buChar char="•"/>
+              <a:defRPr sz="2400" kern="1200">
+                <a:solidFill>
+                  <a:schemeClr val="tx1"/>
+                </a:solidFill>
+                <a:latin typeface="+mn-lt"/>
+                <a:ea typeface="+mn-ea"/>
+                <a:cs typeface="+mn-cs"/>
+              </a:defRPr>
+            </a:lvl2pPr>
+            <a:lvl3pPr marL="1143000" indent="-228600" algn="l" defTabSz="914400" rtl="0" eaLnBrk="1" latinLnBrk="0" hangingPunct="1">
+              <a:lnSpc>
+                <a:spcPct val="90000"/>
+              </a:lnSpc>
+              <a:spcBef>
+                <a:spcPts val="500"/>
+              </a:spcBef>
+              <a:buFont typeface="Arial" panose="020B0604020202020204" pitchFamily="34" charset="0"/>
+              <a:buChar char="•"/>
+              <a:defRPr sz="2000" kern="1200">
+                <a:solidFill>
+                  <a:schemeClr val="tx1"/>
+                </a:solidFill>
+                <a:latin typeface="+mn-lt"/>
+                <a:ea typeface="+mn-ea"/>
+                <a:cs typeface="+mn-cs"/>
+              </a:defRPr>
+            </a:lvl3pPr>
+            <a:lvl4pPr marL="1600200" indent="-228600" algn="l" defTabSz="914400" rtl="0" eaLnBrk="1" latinLnBrk="0" hangingPunct="1">
+              <a:lnSpc>
+                <a:spcPct val="90000"/>
+              </a:lnSpc>
+              <a:spcBef>
+                <a:spcPts val="500"/>
+              </a:spcBef>
+              <a:buFont typeface="Arial" panose="020B0604020202020204" pitchFamily="34" charset="0"/>
+              <a:buChar char="•"/>
+              <a:defRPr sz="1800" kern="1200">
+                <a:solidFill>
+                  <a:schemeClr val="tx1"/>
+                </a:solidFill>
+                <a:latin typeface="+mn-lt"/>
+                <a:ea typeface="+mn-ea"/>
+                <a:cs typeface="+mn-cs"/>
+              </a:defRPr>
+            </a:lvl4pPr>
+            <a:lvl5pPr marL="2057400" indent="-228600" algn="l" defTabSz="914400" rtl="0" eaLnBrk="1" latinLnBrk="0" hangingPunct="1">
+              <a:lnSpc>
+                <a:spcPct val="90000"/>
+              </a:lnSpc>
+              <a:spcBef>
+                <a:spcPts val="500"/>
+              </a:spcBef>
+              <a:buFont typeface="Arial" panose="020B0604020202020204" pitchFamily="34" charset="0"/>
+              <a:buChar char="•"/>
+              <a:defRPr sz="1800" kern="1200">
+                <a:solidFill>
+                  <a:schemeClr val="tx1"/>
+                </a:solidFill>
+                <a:latin typeface="+mn-lt"/>
+                <a:ea typeface="+mn-ea"/>
+                <a:cs typeface="+mn-cs"/>
+              </a:defRPr>
+            </a:lvl5pPr>
+            <a:lvl6pPr marL="2514600" indent="-228600" algn="l" defTabSz="914400" rtl="0" eaLnBrk="1" latinLnBrk="0" hangingPunct="1">
+              <a:lnSpc>
+                <a:spcPct val="90000"/>
+              </a:lnSpc>
+              <a:spcBef>
+                <a:spcPts val="500"/>
+              </a:spcBef>
+              <a:buFont typeface="Arial" panose="020B0604020202020204" pitchFamily="34" charset="0"/>
+              <a:buChar char="•"/>
+              <a:defRPr sz="1800" kern="1200">
+                <a:solidFill>
+                  <a:schemeClr val="tx1"/>
+                </a:solidFill>
+                <a:latin typeface="+mn-lt"/>
+                <a:ea typeface="+mn-ea"/>
+                <a:cs typeface="+mn-cs"/>
+              </a:defRPr>
+            </a:lvl6pPr>
+            <a:lvl7pPr marL="2971800" indent="-228600" algn="l" defTabSz="914400" rtl="0" eaLnBrk="1" latinLnBrk="0" hangingPunct="1">
+              <a:lnSpc>
+                <a:spcPct val="90000"/>
+              </a:lnSpc>
+              <a:spcBef>
+                <a:spcPts val="500"/>
+              </a:spcBef>
+              <a:buFont typeface="Arial" panose="020B0604020202020204" pitchFamily="34" charset="0"/>
+              <a:buChar char="•"/>
+              <a:defRPr sz="1800" kern="1200">
+                <a:solidFill>
+                  <a:schemeClr val="tx1"/>
+                </a:solidFill>
+                <a:latin typeface="+mn-lt"/>
+                <a:ea typeface="+mn-ea"/>
+                <a:cs typeface="+mn-cs"/>
+              </a:defRPr>
+            </a:lvl7pPr>
+            <a:lvl8pPr marL="3429000" indent="-228600" algn="l" defTabSz="914400" rtl="0" eaLnBrk="1" latinLnBrk="0" hangingPunct="1">
+              <a:lnSpc>
+                <a:spcPct val="90000"/>
+              </a:lnSpc>
+              <a:spcBef>
+                <a:spcPts val="500"/>
+              </a:spcBef>
+              <a:buFont typeface="Arial" panose="020B0604020202020204" pitchFamily="34" charset="0"/>
+              <a:buChar char="•"/>
+              <a:defRPr sz="1800" kern="1200">
+                <a:solidFill>
+                  <a:schemeClr val="tx1"/>
+                </a:solidFill>
+                <a:latin typeface="+mn-lt"/>
+                <a:ea typeface="+mn-ea"/>
+                <a:cs typeface="+mn-cs"/>
+              </a:defRPr>
+            </a:lvl8pPr>
+            <a:lvl9pPr marL="3886200" indent="-228600" algn="l" defTabSz="914400" rtl="0" eaLnBrk="1" latinLnBrk="0" hangingPunct="1">
+              <a:lnSpc>
+                <a:spcPct val="90000"/>
+              </a:lnSpc>
+              <a:spcBef>
+                <a:spcPts val="500"/>
+              </a:spcBef>
+              <a:buFont typeface="Arial" panose="020B0604020202020204" pitchFamily="34" charset="0"/>
+              <a:buChar char="•"/>
+              <a:defRPr sz="1800" kern="1200">
+                <a:solidFill>
+                  <a:schemeClr val="tx1"/>
+                </a:solidFill>
+                <a:latin typeface="+mn-lt"/>
+                <a:ea typeface="+mn-ea"/>
+                <a:cs typeface="+mn-cs"/>
+              </a:defRPr>
+            </a:lvl9pPr>
+          </a:lstStyle>
+          <a:p>
+            <a:pPr>
+              <a:buFont typeface="Wingdings" panose="05000000000000000000" pitchFamily="2" charset="2"/>
+              <a:buChar char="q"/>
+            </a:pPr>
+            <a:r>
+              <a:rPr lang="en-US" sz="2400" b="1" dirty="0"/>
+              <a:t> Steps for Running the Workflow</a:t>
+            </a:r>
+            <a:endParaRPr lang="en-US" sz="2000" b="1" dirty="0"/>
+          </a:p>
+        </p:txBody>
+      </p:sp>
     </p:spTree>
     <p:extLst>
       <p:ext uri="{BB962C8B-B14F-4D97-AF65-F5344CB8AC3E}">
-        <p14:creationId xmlns:p14="http://schemas.microsoft.com/office/powerpoint/2010/main" val="1917165771"/>
+        <p14:creationId xmlns:p14="http://schemas.microsoft.com/office/powerpoint/2010/main" val="3630545567"/>
       </p:ext>
     </p:extLst>
   </p:cSld>
@@ -6252,7 +7049,13 @@
       </p:grpSpPr>
       <p:sp>
         <p:nvSpPr>
-          <p:cNvPr id="2" name="Title 1"/>
+          <p:cNvPr id="4" name="Title 1">
+            <a:extLst>
+              <a:ext uri="{FF2B5EF4-FFF2-40B4-BE49-F238E27FC236}">
+                <a16:creationId xmlns:a16="http://schemas.microsoft.com/office/drawing/2014/main" id="{0F38869C-DE0A-4642-B70B-281E2C51CEF7}"/>
+              </a:ext>
+            </a:extLst>
+          </p:cNvPr>
           <p:cNvSpPr>
             <a:spLocks noGrp="1"/>
           </p:cNvSpPr>
@@ -6262,69 +7065,630 @@
         </p:nvSpPr>
         <p:spPr>
           <a:xfrm>
-            <a:off x="0" y="188640"/>
-            <a:ext cx="12144672" cy="543595"/>
+            <a:off x="12500" y="129447"/>
+            <a:ext cx="12192000" cy="764704"/>
           </a:xfrm>
         </p:spPr>
         <p:txBody>
           <a:bodyPr>
-            <a:noAutofit/>
+            <a:normAutofit/>
           </a:bodyPr>
           <a:lstStyle/>
           <a:p>
             <a:pPr algn="ctr"/>
             <a:r>
-              <a:rPr lang="en-US" altLang="zh-CN" sz="3500" b="1" dirty="0">
+              <a:rPr lang="en-US" altLang="zh-CN" sz="4000" b="1" dirty="0">
                 <a:solidFill>
                   <a:schemeClr val="bg1"/>
                 </a:solidFill>
+                <a:effectLst>
+                  <a:outerShdw blurRad="38100" dist="38100" dir="2700000" algn="tl">
+                    <a:srgbClr val="000000">
+                      <a:alpha val="43137"/>
+                    </a:srgbClr>
+                  </a:outerShdw>
+                </a:effectLst>
                 <a:latin typeface="+mn-lt"/>
               </a:rPr>
-              <a:t>Case Study Three: Employment Change From Green Transition</a:t>
-            </a:r>
-            <a:endParaRPr lang="zh-CN" altLang="en-US" sz="3500" b="1" dirty="0">
+              <a:t>Summary and Limitation</a:t>
+            </a:r>
+            <a:endParaRPr lang="zh-CN" altLang="en-US" sz="4000" b="1" dirty="0">
               <a:solidFill>
                 <a:schemeClr val="bg1"/>
               </a:solidFill>
+              <a:effectLst>
+                <a:outerShdw blurRad="38100" dist="38100" dir="2700000" algn="tl">
+                  <a:srgbClr val="000000">
+                    <a:alpha val="43137"/>
+                  </a:srgbClr>
+                </a:outerShdw>
+              </a:effectLst>
               <a:latin typeface="+mn-lt"/>
             </a:endParaRPr>
           </a:p>
         </p:txBody>
       </p:sp>
-      <p:pic>
-        <p:nvPicPr>
-          <p:cNvPr id="3" name="Picture 2">
+      <p:sp>
+        <p:nvSpPr>
+          <p:cNvPr id="6" name="Content Placeholder 2">
             <a:extLst>
               <a:ext uri="{FF2B5EF4-FFF2-40B4-BE49-F238E27FC236}">
-                <a16:creationId xmlns:a16="http://schemas.microsoft.com/office/drawing/2014/main" id="{C1B361C4-91A4-4F87-A430-EFE352CD9FCC}"/>
+                <a16:creationId xmlns:a16="http://schemas.microsoft.com/office/drawing/2014/main" id="{D5C031C1-6D27-4B88-BBEF-3098E0AA8B79}"/>
               </a:ext>
             </a:extLst>
           </p:cNvPr>
-          <p:cNvPicPr>
-            <a:picLocks noChangeAspect="1"/>
-          </p:cNvPicPr>
+          <p:cNvSpPr txBox="1">
+            <a:spLocks/>
+          </p:cNvSpPr>
           <p:nvPr/>
-        </p:nvPicPr>
-        <p:blipFill>
-          <a:blip r:embed="rId2"/>
-          <a:stretch>
-            <a:fillRect/>
-          </a:stretch>
-        </p:blipFill>
+        </p:nvSpPr>
         <p:spPr>
           <a:xfrm>
-            <a:off x="1083886" y="1250376"/>
-            <a:ext cx="10401300" cy="4772025"/>
+            <a:off x="340592" y="1000764"/>
+            <a:ext cx="2444822" cy="510334"/>
           </a:xfrm>
           <a:prstGeom prst="rect">
             <a:avLst/>
           </a:prstGeom>
         </p:spPr>
-      </p:pic>
+        <p:txBody>
+          <a:bodyPr vert="horz" lIns="91440" tIns="45720" rIns="91440" bIns="45720" rtlCol="0">
+            <a:noAutofit/>
+          </a:bodyPr>
+          <a:lstStyle>
+            <a:lvl1pPr marL="228600" indent="-228600" algn="l" defTabSz="914400" rtl="0" eaLnBrk="1" latinLnBrk="0" hangingPunct="1">
+              <a:lnSpc>
+                <a:spcPct val="90000"/>
+              </a:lnSpc>
+              <a:spcBef>
+                <a:spcPts val="1000"/>
+              </a:spcBef>
+              <a:buFont typeface="Arial" panose="020B0604020202020204" pitchFamily="34" charset="0"/>
+              <a:buChar char="•"/>
+              <a:defRPr sz="2800" kern="1200">
+                <a:solidFill>
+                  <a:schemeClr val="tx1"/>
+                </a:solidFill>
+                <a:latin typeface="+mn-lt"/>
+                <a:ea typeface="+mn-ea"/>
+                <a:cs typeface="+mn-cs"/>
+              </a:defRPr>
+            </a:lvl1pPr>
+            <a:lvl2pPr marL="685800" indent="-228600" algn="l" defTabSz="914400" rtl="0" eaLnBrk="1" latinLnBrk="0" hangingPunct="1">
+              <a:lnSpc>
+                <a:spcPct val="90000"/>
+              </a:lnSpc>
+              <a:spcBef>
+                <a:spcPts val="500"/>
+              </a:spcBef>
+              <a:buFont typeface="Arial" panose="020B0604020202020204" pitchFamily="34" charset="0"/>
+              <a:buChar char="•"/>
+              <a:defRPr sz="2400" kern="1200">
+                <a:solidFill>
+                  <a:schemeClr val="tx1"/>
+                </a:solidFill>
+                <a:latin typeface="+mn-lt"/>
+                <a:ea typeface="+mn-ea"/>
+                <a:cs typeface="+mn-cs"/>
+              </a:defRPr>
+            </a:lvl2pPr>
+            <a:lvl3pPr marL="1143000" indent="-228600" algn="l" defTabSz="914400" rtl="0" eaLnBrk="1" latinLnBrk="0" hangingPunct="1">
+              <a:lnSpc>
+                <a:spcPct val="90000"/>
+              </a:lnSpc>
+              <a:spcBef>
+                <a:spcPts val="500"/>
+              </a:spcBef>
+              <a:buFont typeface="Arial" panose="020B0604020202020204" pitchFamily="34" charset="0"/>
+              <a:buChar char="•"/>
+              <a:defRPr sz="2000" kern="1200">
+                <a:solidFill>
+                  <a:schemeClr val="tx1"/>
+                </a:solidFill>
+                <a:latin typeface="+mn-lt"/>
+                <a:ea typeface="+mn-ea"/>
+                <a:cs typeface="+mn-cs"/>
+              </a:defRPr>
+            </a:lvl3pPr>
+            <a:lvl4pPr marL="1600200" indent="-228600" algn="l" defTabSz="914400" rtl="0" eaLnBrk="1" latinLnBrk="0" hangingPunct="1">
+              <a:lnSpc>
+                <a:spcPct val="90000"/>
+              </a:lnSpc>
+              <a:spcBef>
+                <a:spcPts val="500"/>
+              </a:spcBef>
+              <a:buFont typeface="Arial" panose="020B0604020202020204" pitchFamily="34" charset="0"/>
+              <a:buChar char="•"/>
+              <a:defRPr sz="1800" kern="1200">
+                <a:solidFill>
+                  <a:schemeClr val="tx1"/>
+                </a:solidFill>
+                <a:latin typeface="+mn-lt"/>
+                <a:ea typeface="+mn-ea"/>
+                <a:cs typeface="+mn-cs"/>
+              </a:defRPr>
+            </a:lvl4pPr>
+            <a:lvl5pPr marL="2057400" indent="-228600" algn="l" defTabSz="914400" rtl="0" eaLnBrk="1" latinLnBrk="0" hangingPunct="1">
+              <a:lnSpc>
+                <a:spcPct val="90000"/>
+              </a:lnSpc>
+              <a:spcBef>
+                <a:spcPts val="500"/>
+              </a:spcBef>
+              <a:buFont typeface="Arial" panose="020B0604020202020204" pitchFamily="34" charset="0"/>
+              <a:buChar char="•"/>
+              <a:defRPr sz="1800" kern="1200">
+                <a:solidFill>
+                  <a:schemeClr val="tx1"/>
+                </a:solidFill>
+                <a:latin typeface="+mn-lt"/>
+                <a:ea typeface="+mn-ea"/>
+                <a:cs typeface="+mn-cs"/>
+              </a:defRPr>
+            </a:lvl5pPr>
+            <a:lvl6pPr marL="2514600" indent="-228600" algn="l" defTabSz="914400" rtl="0" eaLnBrk="1" latinLnBrk="0" hangingPunct="1">
+              <a:lnSpc>
+                <a:spcPct val="90000"/>
+              </a:lnSpc>
+              <a:spcBef>
+                <a:spcPts val="500"/>
+              </a:spcBef>
+              <a:buFont typeface="Arial" panose="020B0604020202020204" pitchFamily="34" charset="0"/>
+              <a:buChar char="•"/>
+              <a:defRPr sz="1800" kern="1200">
+                <a:solidFill>
+                  <a:schemeClr val="tx1"/>
+                </a:solidFill>
+                <a:latin typeface="+mn-lt"/>
+                <a:ea typeface="+mn-ea"/>
+                <a:cs typeface="+mn-cs"/>
+              </a:defRPr>
+            </a:lvl6pPr>
+            <a:lvl7pPr marL="2971800" indent="-228600" algn="l" defTabSz="914400" rtl="0" eaLnBrk="1" latinLnBrk="0" hangingPunct="1">
+              <a:lnSpc>
+                <a:spcPct val="90000"/>
+              </a:lnSpc>
+              <a:spcBef>
+                <a:spcPts val="500"/>
+              </a:spcBef>
+              <a:buFont typeface="Arial" panose="020B0604020202020204" pitchFamily="34" charset="0"/>
+              <a:buChar char="•"/>
+              <a:defRPr sz="1800" kern="1200">
+                <a:solidFill>
+                  <a:schemeClr val="tx1"/>
+                </a:solidFill>
+                <a:latin typeface="+mn-lt"/>
+                <a:ea typeface="+mn-ea"/>
+                <a:cs typeface="+mn-cs"/>
+              </a:defRPr>
+            </a:lvl7pPr>
+            <a:lvl8pPr marL="3429000" indent="-228600" algn="l" defTabSz="914400" rtl="0" eaLnBrk="1" latinLnBrk="0" hangingPunct="1">
+              <a:lnSpc>
+                <a:spcPct val="90000"/>
+              </a:lnSpc>
+              <a:spcBef>
+                <a:spcPts val="500"/>
+              </a:spcBef>
+              <a:buFont typeface="Arial" panose="020B0604020202020204" pitchFamily="34" charset="0"/>
+              <a:buChar char="•"/>
+              <a:defRPr sz="1800" kern="1200">
+                <a:solidFill>
+                  <a:schemeClr val="tx1"/>
+                </a:solidFill>
+                <a:latin typeface="+mn-lt"/>
+                <a:ea typeface="+mn-ea"/>
+                <a:cs typeface="+mn-cs"/>
+              </a:defRPr>
+            </a:lvl8pPr>
+            <a:lvl9pPr marL="3886200" indent="-228600" algn="l" defTabSz="914400" rtl="0" eaLnBrk="1" latinLnBrk="0" hangingPunct="1">
+              <a:lnSpc>
+                <a:spcPct val="90000"/>
+              </a:lnSpc>
+              <a:spcBef>
+                <a:spcPts val="500"/>
+              </a:spcBef>
+              <a:buFont typeface="Arial" panose="020B0604020202020204" pitchFamily="34" charset="0"/>
+              <a:buChar char="•"/>
+              <a:defRPr sz="1800" kern="1200">
+                <a:solidFill>
+                  <a:schemeClr val="tx1"/>
+                </a:solidFill>
+                <a:latin typeface="+mn-lt"/>
+                <a:ea typeface="+mn-ea"/>
+                <a:cs typeface="+mn-cs"/>
+              </a:defRPr>
+            </a:lvl9pPr>
+          </a:lstStyle>
+          <a:p>
+            <a:pPr>
+              <a:buFont typeface="Wingdings" panose="05000000000000000000" pitchFamily="2" charset="2"/>
+              <a:buChar char="q"/>
+            </a:pPr>
+            <a:r>
+              <a:rPr lang="en-US" sz="2400" b="1" dirty="0"/>
+              <a:t> Summary</a:t>
+            </a:r>
+          </a:p>
+        </p:txBody>
+      </p:sp>
+      <p:sp>
+        <p:nvSpPr>
+          <p:cNvPr id="7" name="Content Placeholder 2">
+            <a:extLst>
+              <a:ext uri="{FF2B5EF4-FFF2-40B4-BE49-F238E27FC236}">
+                <a16:creationId xmlns:a16="http://schemas.microsoft.com/office/drawing/2014/main" id="{B92E12F7-708B-40C7-B354-BC2A123B64BE}"/>
+              </a:ext>
+            </a:extLst>
+          </p:cNvPr>
+          <p:cNvSpPr txBox="1">
+            <a:spLocks/>
+          </p:cNvSpPr>
+          <p:nvPr/>
+        </p:nvSpPr>
+        <p:spPr>
+          <a:xfrm>
+            <a:off x="340592" y="4411338"/>
+            <a:ext cx="2444822" cy="510334"/>
+          </a:xfrm>
+          <a:prstGeom prst="rect">
+            <a:avLst/>
+          </a:prstGeom>
+        </p:spPr>
+        <p:txBody>
+          <a:bodyPr vert="horz" lIns="91440" tIns="45720" rIns="91440" bIns="45720" rtlCol="0">
+            <a:noAutofit/>
+          </a:bodyPr>
+          <a:lstStyle>
+            <a:lvl1pPr marL="228600" indent="-228600" algn="l" defTabSz="914400" rtl="0" eaLnBrk="1" latinLnBrk="0" hangingPunct="1">
+              <a:lnSpc>
+                <a:spcPct val="90000"/>
+              </a:lnSpc>
+              <a:spcBef>
+                <a:spcPts val="1000"/>
+              </a:spcBef>
+              <a:buFont typeface="Arial" panose="020B0604020202020204" pitchFamily="34" charset="0"/>
+              <a:buChar char="•"/>
+              <a:defRPr sz="2800" kern="1200">
+                <a:solidFill>
+                  <a:schemeClr val="tx1"/>
+                </a:solidFill>
+                <a:latin typeface="+mn-lt"/>
+                <a:ea typeface="+mn-ea"/>
+                <a:cs typeface="+mn-cs"/>
+              </a:defRPr>
+            </a:lvl1pPr>
+            <a:lvl2pPr marL="685800" indent="-228600" algn="l" defTabSz="914400" rtl="0" eaLnBrk="1" latinLnBrk="0" hangingPunct="1">
+              <a:lnSpc>
+                <a:spcPct val="90000"/>
+              </a:lnSpc>
+              <a:spcBef>
+                <a:spcPts val="500"/>
+              </a:spcBef>
+              <a:buFont typeface="Arial" panose="020B0604020202020204" pitchFamily="34" charset="0"/>
+              <a:buChar char="•"/>
+              <a:defRPr sz="2400" kern="1200">
+                <a:solidFill>
+                  <a:schemeClr val="tx1"/>
+                </a:solidFill>
+                <a:latin typeface="+mn-lt"/>
+                <a:ea typeface="+mn-ea"/>
+                <a:cs typeface="+mn-cs"/>
+              </a:defRPr>
+            </a:lvl2pPr>
+            <a:lvl3pPr marL="1143000" indent="-228600" algn="l" defTabSz="914400" rtl="0" eaLnBrk="1" latinLnBrk="0" hangingPunct="1">
+              <a:lnSpc>
+                <a:spcPct val="90000"/>
+              </a:lnSpc>
+              <a:spcBef>
+                <a:spcPts val="500"/>
+              </a:spcBef>
+              <a:buFont typeface="Arial" panose="020B0604020202020204" pitchFamily="34" charset="0"/>
+              <a:buChar char="•"/>
+              <a:defRPr sz="2000" kern="1200">
+                <a:solidFill>
+                  <a:schemeClr val="tx1"/>
+                </a:solidFill>
+                <a:latin typeface="+mn-lt"/>
+                <a:ea typeface="+mn-ea"/>
+                <a:cs typeface="+mn-cs"/>
+              </a:defRPr>
+            </a:lvl3pPr>
+            <a:lvl4pPr marL="1600200" indent="-228600" algn="l" defTabSz="914400" rtl="0" eaLnBrk="1" latinLnBrk="0" hangingPunct="1">
+              <a:lnSpc>
+                <a:spcPct val="90000"/>
+              </a:lnSpc>
+              <a:spcBef>
+                <a:spcPts val="500"/>
+              </a:spcBef>
+              <a:buFont typeface="Arial" panose="020B0604020202020204" pitchFamily="34" charset="0"/>
+              <a:buChar char="•"/>
+              <a:defRPr sz="1800" kern="1200">
+                <a:solidFill>
+                  <a:schemeClr val="tx1"/>
+                </a:solidFill>
+                <a:latin typeface="+mn-lt"/>
+                <a:ea typeface="+mn-ea"/>
+                <a:cs typeface="+mn-cs"/>
+              </a:defRPr>
+            </a:lvl4pPr>
+            <a:lvl5pPr marL="2057400" indent="-228600" algn="l" defTabSz="914400" rtl="0" eaLnBrk="1" latinLnBrk="0" hangingPunct="1">
+              <a:lnSpc>
+                <a:spcPct val="90000"/>
+              </a:lnSpc>
+              <a:spcBef>
+                <a:spcPts val="500"/>
+              </a:spcBef>
+              <a:buFont typeface="Arial" panose="020B0604020202020204" pitchFamily="34" charset="0"/>
+              <a:buChar char="•"/>
+              <a:defRPr sz="1800" kern="1200">
+                <a:solidFill>
+                  <a:schemeClr val="tx1"/>
+                </a:solidFill>
+                <a:latin typeface="+mn-lt"/>
+                <a:ea typeface="+mn-ea"/>
+                <a:cs typeface="+mn-cs"/>
+              </a:defRPr>
+            </a:lvl5pPr>
+            <a:lvl6pPr marL="2514600" indent="-228600" algn="l" defTabSz="914400" rtl="0" eaLnBrk="1" latinLnBrk="0" hangingPunct="1">
+              <a:lnSpc>
+                <a:spcPct val="90000"/>
+              </a:lnSpc>
+              <a:spcBef>
+                <a:spcPts val="500"/>
+              </a:spcBef>
+              <a:buFont typeface="Arial" panose="020B0604020202020204" pitchFamily="34" charset="0"/>
+              <a:buChar char="•"/>
+              <a:defRPr sz="1800" kern="1200">
+                <a:solidFill>
+                  <a:schemeClr val="tx1"/>
+                </a:solidFill>
+                <a:latin typeface="+mn-lt"/>
+                <a:ea typeface="+mn-ea"/>
+                <a:cs typeface="+mn-cs"/>
+              </a:defRPr>
+            </a:lvl6pPr>
+            <a:lvl7pPr marL="2971800" indent="-228600" algn="l" defTabSz="914400" rtl="0" eaLnBrk="1" latinLnBrk="0" hangingPunct="1">
+              <a:lnSpc>
+                <a:spcPct val="90000"/>
+              </a:lnSpc>
+              <a:spcBef>
+                <a:spcPts val="500"/>
+              </a:spcBef>
+              <a:buFont typeface="Arial" panose="020B0604020202020204" pitchFamily="34" charset="0"/>
+              <a:buChar char="•"/>
+              <a:defRPr sz="1800" kern="1200">
+                <a:solidFill>
+                  <a:schemeClr val="tx1"/>
+                </a:solidFill>
+                <a:latin typeface="+mn-lt"/>
+                <a:ea typeface="+mn-ea"/>
+                <a:cs typeface="+mn-cs"/>
+              </a:defRPr>
+            </a:lvl7pPr>
+            <a:lvl8pPr marL="3429000" indent="-228600" algn="l" defTabSz="914400" rtl="0" eaLnBrk="1" latinLnBrk="0" hangingPunct="1">
+              <a:lnSpc>
+                <a:spcPct val="90000"/>
+              </a:lnSpc>
+              <a:spcBef>
+                <a:spcPts val="500"/>
+              </a:spcBef>
+              <a:buFont typeface="Arial" panose="020B0604020202020204" pitchFamily="34" charset="0"/>
+              <a:buChar char="•"/>
+              <a:defRPr sz="1800" kern="1200">
+                <a:solidFill>
+                  <a:schemeClr val="tx1"/>
+                </a:solidFill>
+                <a:latin typeface="+mn-lt"/>
+                <a:ea typeface="+mn-ea"/>
+                <a:cs typeface="+mn-cs"/>
+              </a:defRPr>
+            </a:lvl8pPr>
+            <a:lvl9pPr marL="3886200" indent="-228600" algn="l" defTabSz="914400" rtl="0" eaLnBrk="1" latinLnBrk="0" hangingPunct="1">
+              <a:lnSpc>
+                <a:spcPct val="90000"/>
+              </a:lnSpc>
+              <a:spcBef>
+                <a:spcPts val="500"/>
+              </a:spcBef>
+              <a:buFont typeface="Arial" panose="020B0604020202020204" pitchFamily="34" charset="0"/>
+              <a:buChar char="•"/>
+              <a:defRPr sz="1800" kern="1200">
+                <a:solidFill>
+                  <a:schemeClr val="tx1"/>
+                </a:solidFill>
+                <a:latin typeface="+mn-lt"/>
+                <a:ea typeface="+mn-ea"/>
+                <a:cs typeface="+mn-cs"/>
+              </a:defRPr>
+            </a:lvl9pPr>
+          </a:lstStyle>
+          <a:p>
+            <a:pPr>
+              <a:buFont typeface="Wingdings" panose="05000000000000000000" pitchFamily="2" charset="2"/>
+              <a:buChar char="q"/>
+            </a:pPr>
+            <a:r>
+              <a:rPr lang="en-US" sz="2400" b="1" dirty="0"/>
+              <a:t> Limitation</a:t>
+            </a:r>
+          </a:p>
+        </p:txBody>
+      </p:sp>
+      <p:sp>
+        <p:nvSpPr>
+          <p:cNvPr id="9" name="文本框 8">
+            <a:extLst>
+              <a:ext uri="{FF2B5EF4-FFF2-40B4-BE49-F238E27FC236}">
+                <a16:creationId xmlns:a16="http://schemas.microsoft.com/office/drawing/2014/main" id="{99F89AB8-B3F9-4651-8018-774A921BB655}"/>
+              </a:ext>
+            </a:extLst>
+          </p:cNvPr>
+          <p:cNvSpPr txBox="1"/>
+          <p:nvPr/>
+        </p:nvSpPr>
+        <p:spPr>
+          <a:xfrm>
+            <a:off x="735435" y="4867256"/>
+            <a:ext cx="10153128" cy="1631216"/>
+          </a:xfrm>
+          <a:prstGeom prst="rect">
+            <a:avLst/>
+          </a:prstGeom>
+          <a:noFill/>
+        </p:spPr>
+        <p:txBody>
+          <a:bodyPr wrap="square">
+            <a:spAutoFit/>
+          </a:bodyPr>
+          <a:lstStyle/>
+          <a:p>
+            <a:pPr marL="285750" indent="-285750">
+              <a:lnSpc>
+                <a:spcPct val="100000"/>
+              </a:lnSpc>
+              <a:spcBef>
+                <a:spcPts val="0"/>
+              </a:spcBef>
+              <a:spcAft>
+                <a:spcPts val="600"/>
+              </a:spcAft>
+              <a:buSzPct val="80000"/>
+              <a:buFont typeface="Courier New" panose="02070309020205020404" pitchFamily="49" charset="0"/>
+              <a:buChar char="o"/>
+            </a:pPr>
+            <a:r>
+              <a:rPr lang="en-US" altLang="zh-CN" sz="2000" dirty="0">
+                <a:solidFill>
+                  <a:srgbClr val="020202"/>
+                </a:solidFill>
+              </a:rPr>
+              <a:t>The data of solar and wind power distribution by region in 2008 couldn’t be accessed directly. The data was replaced by cumulative energy production data from 2012. Additionally, original data from China Industrial Yearbook can’t be accessed directly. Instead, the workflow uses the data that is pulled directly from the paper. Due to the differences of the data, the outputs of the workflow slightly differ from that of the paper.</a:t>
+            </a:r>
+          </a:p>
+        </p:txBody>
+      </p:sp>
+      <p:sp>
+        <p:nvSpPr>
+          <p:cNvPr id="10" name="文本框 9">
+            <a:extLst>
+              <a:ext uri="{FF2B5EF4-FFF2-40B4-BE49-F238E27FC236}">
+                <a16:creationId xmlns:a16="http://schemas.microsoft.com/office/drawing/2014/main" id="{ACC1163F-5DAB-4E47-9A9C-3E004AE2FF97}"/>
+              </a:ext>
+            </a:extLst>
+          </p:cNvPr>
+          <p:cNvSpPr txBox="1"/>
+          <p:nvPr/>
+        </p:nvSpPr>
+        <p:spPr>
+          <a:xfrm>
+            <a:off x="767408" y="1511098"/>
+            <a:ext cx="10729192" cy="2092881"/>
+          </a:xfrm>
+          <a:prstGeom prst="rect">
+            <a:avLst/>
+          </a:prstGeom>
+          <a:noFill/>
+        </p:spPr>
+        <p:txBody>
+          <a:bodyPr wrap="square">
+            <a:spAutoFit/>
+          </a:bodyPr>
+          <a:lstStyle/>
+          <a:p>
+            <a:pPr marL="285750" indent="-285750">
+              <a:lnSpc>
+                <a:spcPct val="100000"/>
+              </a:lnSpc>
+              <a:spcBef>
+                <a:spcPts val="0"/>
+              </a:spcBef>
+              <a:spcAft>
+                <a:spcPts val="600"/>
+              </a:spcAft>
+              <a:buSzPct val="80000"/>
+              <a:buFont typeface="Courier New" panose="02070309020205020404" pitchFamily="49" charset="0"/>
+              <a:buChar char="o"/>
+            </a:pPr>
+            <a:r>
+              <a:rPr lang="en-US" altLang="zh-CN" sz="2000" dirty="0">
+                <a:solidFill>
+                  <a:srgbClr val="020202"/>
+                </a:solidFill>
+              </a:rPr>
+              <a:t>The workflow replicates the paper’s main parts and visualize the results in forms of tables, charts, and a map.</a:t>
+            </a:r>
+          </a:p>
+          <a:p>
+            <a:pPr marL="285750" indent="-285750">
+              <a:lnSpc>
+                <a:spcPct val="100000"/>
+              </a:lnSpc>
+              <a:spcBef>
+                <a:spcPts val="0"/>
+              </a:spcBef>
+              <a:spcAft>
+                <a:spcPts val="600"/>
+              </a:spcAft>
+              <a:buSzPct val="80000"/>
+              <a:buFont typeface="Courier New" panose="02070309020205020404" pitchFamily="49" charset="0"/>
+              <a:buChar char="o"/>
+            </a:pPr>
+            <a:r>
+              <a:rPr lang="en-US" sz="2000" b="0" i="0" dirty="0">
+                <a:solidFill>
+                  <a:srgbClr val="020202"/>
+                </a:solidFill>
+                <a:effectLst/>
+                <a:latin typeface="AdvOT46dcae81"/>
+              </a:rPr>
+              <a:t>From </a:t>
+            </a:r>
+            <a:r>
+              <a:rPr lang="en-US" sz="2000" dirty="0">
+                <a:solidFill>
+                  <a:srgbClr val="020202"/>
+                </a:solidFill>
+                <a:latin typeface="AdvOT46dcae81"/>
+              </a:rPr>
+              <a:t>the results, it is found that east regions of China will experience increase in employment distribution due to green energy transition. And west regions of China will experience decrease in employment distribution due to its heavy reliance on conventional ‘dirty’ energies.</a:t>
+            </a:r>
+          </a:p>
+          <a:p>
+            <a:pPr marL="285750" indent="-285750">
+              <a:lnSpc>
+                <a:spcPct val="100000"/>
+              </a:lnSpc>
+              <a:spcBef>
+                <a:spcPts val="0"/>
+              </a:spcBef>
+              <a:spcAft>
+                <a:spcPts val="600"/>
+              </a:spcAft>
+              <a:buSzPct val="80000"/>
+              <a:buFont typeface="Courier New" panose="02070309020205020404" pitchFamily="49" charset="0"/>
+              <a:buChar char="o"/>
+            </a:pPr>
+            <a:r>
+              <a:rPr lang="en-US" sz="2000" dirty="0">
+                <a:solidFill>
+                  <a:srgbClr val="020202"/>
+                </a:solidFill>
+                <a:latin typeface="AdvOT46dcae81"/>
+              </a:rPr>
+              <a:t>Overall, China’s transition towards greener energy production will increase the total employment.</a:t>
+            </a:r>
+            <a:endParaRPr lang="en-US" sz="2000" dirty="0">
+              <a:solidFill>
+                <a:srgbClr val="020202"/>
+              </a:solidFill>
+            </a:endParaRPr>
+          </a:p>
+        </p:txBody>
+      </p:sp>
     </p:spTree>
     <p:extLst>
       <p:ext uri="{BB962C8B-B14F-4D97-AF65-F5344CB8AC3E}">
-        <p14:creationId xmlns:p14="http://schemas.microsoft.com/office/powerpoint/2010/main" val="2313999535"/>
+        <p14:creationId xmlns:p14="http://schemas.microsoft.com/office/powerpoint/2010/main" val="3623818810"/>
       </p:ext>
     </p:extLst>
   </p:cSld>
@@ -6375,27 +7739,27 @@
         </p:nvSpPr>
         <p:spPr>
           <a:xfrm>
-            <a:off x="0" y="188640"/>
-            <a:ext cx="12144672" cy="543595"/>
+            <a:off x="819222" y="1"/>
+            <a:ext cx="10515600" cy="908720"/>
           </a:xfrm>
         </p:spPr>
         <p:txBody>
           <a:bodyPr>
-            <a:normAutofit fontScale="90000"/>
+            <a:normAutofit/>
           </a:bodyPr>
           <a:lstStyle/>
           <a:p>
             <a:pPr algn="ctr"/>
             <a:r>
-              <a:rPr lang="en-US" altLang="zh-CN" sz="3500" b="1" dirty="0">
-                <a:solidFill>
-                  <a:prstClr val="white"/>
-                </a:solidFill>
-                <a:latin typeface="Calibri" panose="020F0502020204030204"/>
+              <a:rPr lang="en-US" altLang="zh-CN" sz="4000" b="1" dirty="0">
+                <a:solidFill>
+                  <a:schemeClr val="bg1"/>
+                </a:solidFill>
+                <a:latin typeface="+mn-lt"/>
               </a:rPr>
-              <a:t>Case Study Three: Employment Change From Green Transition</a:t>
-            </a:r>
-            <a:endParaRPr lang="zh-CN" altLang="en-US" b="1" dirty="0">
+              <a:t>References</a:t>
+            </a:r>
+            <a:endParaRPr lang="zh-CN" altLang="en-US" sz="4000" b="1" dirty="0">
               <a:solidFill>
                 <a:schemeClr val="bg1"/>
               </a:solidFill>
@@ -6404,650 +7768,144 @@
           </a:p>
         </p:txBody>
       </p:sp>
-      <p:pic>
-        <p:nvPicPr>
-          <p:cNvPr id="4" name="Picture 3">
-            <a:extLst>
-              <a:ext uri="{FF2B5EF4-FFF2-40B4-BE49-F238E27FC236}">
-                <a16:creationId xmlns:a16="http://schemas.microsoft.com/office/drawing/2014/main" id="{1FA0CF7A-5530-4B61-B182-5477E5E884AB}"/>
-              </a:ext>
-            </a:extLst>
-          </p:cNvPr>
-          <p:cNvPicPr>
-            <a:picLocks noChangeAspect="1"/>
-          </p:cNvPicPr>
-          <p:nvPr/>
-        </p:nvPicPr>
-        <p:blipFill>
-          <a:blip r:embed="rId2"/>
-          <a:stretch>
-            <a:fillRect/>
-          </a:stretch>
-        </p:blipFill>
+      <p:sp>
+        <p:nvSpPr>
+          <p:cNvPr id="3" name="Content Placeholder 2"/>
+          <p:cNvSpPr>
+            <a:spLocks noGrp="1"/>
+          </p:cNvSpPr>
+          <p:nvPr>
+            <p:ph idx="1"/>
+          </p:nvPr>
+        </p:nvSpPr>
         <p:spPr>
           <a:xfrm>
-            <a:off x="3294890" y="1329179"/>
-            <a:ext cx="5457018" cy="4821810"/>
-          </a:xfrm>
-          <a:prstGeom prst="rect">
-            <a:avLst/>
-          </a:prstGeom>
-        </p:spPr>
-      </p:pic>
+            <a:off x="424394" y="1052736"/>
+            <a:ext cx="11576262" cy="3024336"/>
+          </a:xfrm>
+        </p:spPr>
+        <p:txBody>
+          <a:bodyPr>
+            <a:noAutofit/>
+          </a:bodyPr>
+          <a:lstStyle/>
+          <a:p>
+            <a:r>
+              <a:rPr lang="en-US" altLang="zh-CN" sz="1800" dirty="0">
+                <a:latin typeface="Calibri" panose="020F0502020204030204" pitchFamily="34" charset="0"/>
+                <a:cs typeface="Calibri" panose="020F0502020204030204" pitchFamily="34" charset="0"/>
+              </a:rPr>
+              <a:t>Sara Hsu &amp; Shelley </a:t>
+            </a:r>
+            <a:r>
+              <a:rPr lang="en-US" altLang="zh-CN" sz="1800" dirty="0" err="1">
+                <a:latin typeface="Calibri" panose="020F0502020204030204" pitchFamily="34" charset="0"/>
+                <a:cs typeface="Calibri" panose="020F0502020204030204" pitchFamily="34" charset="0"/>
+              </a:rPr>
+              <a:t>Nauss</a:t>
+            </a:r>
+            <a:r>
+              <a:rPr lang="en-US" altLang="zh-CN" sz="1800" dirty="0">
+                <a:latin typeface="Calibri" panose="020F0502020204030204" pitchFamily="34" charset="0"/>
+                <a:cs typeface="Calibri" panose="020F0502020204030204" pitchFamily="34" charset="0"/>
+              </a:rPr>
+              <a:t> (2009) Employment impacts of a ‘green’ energy  transition in China, China Economic Journal, 2:2, 219-237, </a:t>
+            </a:r>
+            <a:r>
+              <a:rPr lang="en-US" altLang="zh-CN" sz="1800" u="sng" dirty="0">
+                <a:latin typeface="Calibri" panose="020F0502020204030204" pitchFamily="34" charset="0"/>
+                <a:cs typeface="Calibri" panose="020F0502020204030204" pitchFamily="34" charset="0"/>
+              </a:rPr>
+              <a:t>DOI: 10.1080/17538960903083533 </a:t>
+            </a:r>
+          </a:p>
+          <a:p>
+            <a:r>
+              <a:rPr lang="en-US" altLang="zh-CN" sz="1800" dirty="0">
+                <a:latin typeface="Calibri" panose="020F0502020204030204" pitchFamily="34" charset="0"/>
+                <a:cs typeface="Calibri" panose="020F0502020204030204" pitchFamily="34" charset="0"/>
+              </a:rPr>
+              <a:t>China Data Online </a:t>
+            </a:r>
+            <a:r>
+              <a:rPr lang="en-US" altLang="zh-CN" sz="1800" dirty="0">
+                <a:latin typeface="Calibri" panose="020F0502020204030204" pitchFamily="34" charset="0"/>
+                <a:cs typeface="Calibri" panose="020F0502020204030204" pitchFamily="34" charset="0"/>
+                <a:hlinkClick r:id="rId2"/>
+              </a:rPr>
+              <a:t>https://www.china-data-online.com/</a:t>
+            </a:r>
+            <a:r>
+              <a:rPr lang="en-US" altLang="zh-CN" sz="1800" dirty="0">
+                <a:latin typeface="Calibri" panose="020F0502020204030204" pitchFamily="34" charset="0"/>
+                <a:cs typeface="Calibri" panose="020F0502020204030204" pitchFamily="34" charset="0"/>
+              </a:rPr>
+              <a:t> </a:t>
+            </a:r>
+          </a:p>
+          <a:p>
+            <a:r>
+              <a:rPr lang="en-US" altLang="zh-CN" sz="1800" dirty="0">
+                <a:solidFill>
+                  <a:srgbClr val="020202"/>
+                </a:solidFill>
+              </a:rPr>
+              <a:t>China Energy Portal </a:t>
+            </a:r>
+            <a:r>
+              <a:rPr lang="en-US" altLang="zh-CN" sz="1800" dirty="0">
+                <a:solidFill>
+                  <a:srgbClr val="020202"/>
+                </a:solidFill>
+                <a:hlinkClick r:id="rId3"/>
+              </a:rPr>
+              <a:t>https://chinaenergyportal.org/en/2018-q12-pv-installations-utility-and-distributed-by-province/</a:t>
+            </a:r>
+            <a:r>
+              <a:rPr lang="en-US" altLang="zh-CN" sz="1800" dirty="0">
+                <a:solidFill>
+                  <a:srgbClr val="020202"/>
+                </a:solidFill>
+              </a:rPr>
+              <a:t> </a:t>
+            </a:r>
+          </a:p>
+          <a:p>
+            <a:r>
+              <a:rPr lang="en-US" altLang="zh-CN" sz="1800" dirty="0">
+                <a:solidFill>
+                  <a:srgbClr val="020202"/>
+                </a:solidFill>
+              </a:rPr>
+              <a:t>Zhang, X.; Wang, D.; Liu, Y.; Yi, H. Wind Power Development in China: An Assessment of Provincial Policies. Sustainability 2016, 8, 734.</a:t>
+            </a:r>
+          </a:p>
+          <a:p>
+            <a:endParaRPr lang="en-US" altLang="zh-CN" sz="1800" dirty="0">
+              <a:solidFill>
+                <a:srgbClr val="020202"/>
+              </a:solidFill>
+            </a:endParaRPr>
+          </a:p>
+          <a:p>
+            <a:endParaRPr lang="en-US" altLang="zh-CN" sz="1800" dirty="0">
+              <a:solidFill>
+                <a:srgbClr val="020202"/>
+              </a:solidFill>
+            </a:endParaRPr>
+          </a:p>
+          <a:p>
+            <a:endParaRPr lang="en-US" altLang="zh-CN" sz="1800" dirty="0">
+              <a:latin typeface="Calibri" panose="020F0502020204030204" pitchFamily="34" charset="0"/>
+              <a:cs typeface="Calibri" panose="020F0502020204030204" pitchFamily="34" charset="0"/>
+            </a:endParaRPr>
+          </a:p>
+        </p:txBody>
+      </p:sp>
     </p:spTree>
     <p:extLst>
       <p:ext uri="{BB962C8B-B14F-4D97-AF65-F5344CB8AC3E}">
-        <p14:creationId xmlns:p14="http://schemas.microsoft.com/office/powerpoint/2010/main" val="2054455496"/>
-      </p:ext>
-    </p:extLst>
-  </p:cSld>
-  <p:clrMapOvr>
-    <a:masterClrMapping/>
-  </p:clrMapOvr>
-  <mc:AlternateContent xmlns:mc="http://schemas.openxmlformats.org/markup-compatibility/2006" xmlns:p14="http://schemas.microsoft.com/office/powerpoint/2010/main">
-    <mc:Choice Requires="p14">
-      <p:transition spd="med" p14:dur="700">
-        <p:fade/>
-      </p:transition>
-    </mc:Choice>
-    <mc:Fallback xmlns="">
-      <p:transition spd="med">
-        <p:fade/>
-      </p:transition>
-    </mc:Fallback>
-  </mc:AlternateContent>
-</p:sld>
-</file>
-
-<file path=ppt/slides/slide8.xml><?xml version="1.0" encoding="utf-8"?>
-<p:sld xmlns:a="http://schemas.openxmlformats.org/drawingml/2006/main" xmlns:r="http://schemas.openxmlformats.org/officeDocument/2006/relationships" xmlns:p="http://schemas.openxmlformats.org/presentationml/2006/main">
-  <p:cSld>
-    <p:spTree>
-      <p:nvGrpSpPr>
-        <p:cNvPr id="1" name=""/>
-        <p:cNvGrpSpPr/>
-        <p:nvPr/>
-      </p:nvGrpSpPr>
-      <p:grpSpPr>
-        <a:xfrm>
-          <a:off x="0" y="0"/>
-          <a:ext cx="0" cy="0"/>
-          <a:chOff x="0" y="0"/>
-          <a:chExt cx="0" cy="0"/>
-        </a:xfrm>
-      </p:grpSpPr>
-      <p:sp>
-        <p:nvSpPr>
-          <p:cNvPr id="2" name="Title 1"/>
-          <p:cNvSpPr>
-            <a:spLocks noGrp="1"/>
-          </p:cNvSpPr>
-          <p:nvPr>
-            <p:ph type="title"/>
-          </p:nvPr>
-        </p:nvSpPr>
-        <p:spPr>
-          <a:xfrm>
-            <a:off x="12500" y="129447"/>
-            <a:ext cx="12192000" cy="764704"/>
-          </a:xfrm>
-        </p:spPr>
-        <p:txBody>
-          <a:bodyPr>
-            <a:normAutofit/>
-          </a:bodyPr>
-          <a:lstStyle/>
-          <a:p>
-            <a:pPr algn="ctr"/>
-            <a:r>
-              <a:rPr lang="en-US" altLang="zh-CN" sz="3500" b="1" dirty="0">
-                <a:solidFill>
-                  <a:prstClr val="white"/>
-                </a:solidFill>
-                <a:latin typeface="Calibri" panose="020F0502020204030204"/>
-              </a:rPr>
-              <a:t>Case Study Three: Employment Change From Green Transition</a:t>
-            </a:r>
-            <a:endParaRPr lang="zh-CN" altLang="en-US" sz="4000" b="1" dirty="0">
-              <a:solidFill>
-                <a:schemeClr val="bg1"/>
-              </a:solidFill>
-              <a:effectLst>
-                <a:outerShdw blurRad="38100" dist="38100" dir="2700000" algn="tl">
-                  <a:srgbClr val="000000">
-                    <a:alpha val="43137"/>
-                  </a:srgbClr>
-                </a:outerShdw>
-              </a:effectLst>
-              <a:latin typeface="+mn-lt"/>
-            </a:endParaRPr>
-          </a:p>
-        </p:txBody>
-      </p:sp>
-      <p:sp>
-        <p:nvSpPr>
-          <p:cNvPr id="4" name="TextBox 1">
-            <a:extLst>
-              <a:ext uri="{FF2B5EF4-FFF2-40B4-BE49-F238E27FC236}">
-                <a16:creationId xmlns:a16="http://schemas.microsoft.com/office/drawing/2014/main" id="{24B24C06-429E-40F0-BF32-EA351A1A780E}"/>
-              </a:ext>
-            </a:extLst>
-          </p:cNvPr>
-          <p:cNvSpPr txBox="1"/>
-          <p:nvPr/>
-        </p:nvSpPr>
-        <p:spPr>
-          <a:xfrm>
-            <a:off x="551384" y="1596651"/>
-            <a:ext cx="11640616" cy="5016758"/>
-          </a:xfrm>
-          <a:prstGeom prst="rect">
-            <a:avLst/>
-          </a:prstGeom>
-          <a:noFill/>
-        </p:spPr>
-        <p:txBody>
-          <a:bodyPr wrap="square" rtlCol="0">
-            <a:spAutoFit/>
-          </a:bodyPr>
-          <a:lstStyle/>
-          <a:p>
-            <a:r>
-              <a:rPr lang="en-US" sz="2000" b="1" dirty="0"/>
-              <a:t>Step 1</a:t>
-            </a:r>
-            <a:r>
-              <a:rPr lang="en-US" sz="2000" dirty="0"/>
-              <a:t>: </a:t>
-            </a:r>
-            <a:r>
-              <a:rPr lang="en-US" sz="2000" b="1" dirty="0"/>
-              <a:t>Download data and unzip </a:t>
-            </a:r>
-            <a:r>
-              <a:rPr lang="en-US" sz="2000" dirty="0"/>
-              <a:t>from </a:t>
-            </a:r>
-            <a:r>
-              <a:rPr lang="en-US" sz="1200" dirty="0">
-                <a:hlinkClick r:id="rId2"/>
-              </a:rPr>
-              <a:t>https://drive.google.com/drive/folders/1OX-G2w6nSDVuVKEkrQ4EwZ5UhhNkmCLB?usp=sharing</a:t>
-            </a:r>
-            <a:r>
-              <a:rPr lang="en-US" sz="1200" dirty="0"/>
-              <a:t> </a:t>
-            </a:r>
-          </a:p>
-          <a:p>
-            <a:r>
-              <a:rPr lang="en-US" sz="2000" b="1" dirty="0"/>
-              <a:t>Step 2</a:t>
-            </a:r>
-            <a:r>
-              <a:rPr lang="en-US" sz="2000" dirty="0"/>
-              <a:t>: </a:t>
-            </a:r>
-            <a:r>
-              <a:rPr lang="en-US" sz="2000" b="1" dirty="0"/>
-              <a:t>Download workflow</a:t>
-            </a:r>
-            <a:r>
-              <a:rPr lang="en-US" sz="2000" dirty="0"/>
-              <a:t> from </a:t>
-            </a:r>
-            <a:r>
-              <a:rPr lang="en-US" sz="1300" dirty="0">
-                <a:hlinkClick r:id="rId2"/>
-              </a:rPr>
-              <a:t>https://drive.google.com/drive/folders/1OX-G2w6nSDVuVKEkrQ4EwZ5UhhNkmCLB?usp=sharing</a:t>
-            </a:r>
-            <a:r>
-              <a:rPr lang="en-US" sz="1300" dirty="0"/>
-              <a:t> </a:t>
-            </a:r>
-          </a:p>
-          <a:p>
-            <a:r>
-              <a:rPr lang="en-US" altLang="zh-CN" sz="2000" b="1" dirty="0"/>
-              <a:t>Step 3</a:t>
-            </a:r>
-            <a:r>
-              <a:rPr lang="en-US" altLang="zh-CN" sz="2000" dirty="0"/>
-              <a:t>: </a:t>
-            </a:r>
-            <a:r>
-              <a:rPr lang="en-US" altLang="zh-CN" sz="2000" b="1" dirty="0"/>
-              <a:t>Open KNIME </a:t>
-            </a:r>
-            <a:r>
-              <a:rPr lang="en-US" altLang="zh-CN" sz="2000" dirty="0"/>
-              <a:t>from local PC or China Data Lab Cloud Platform (in building)</a:t>
-            </a:r>
-          </a:p>
-          <a:p>
-            <a:r>
-              <a:rPr lang="en-US" altLang="zh-CN" sz="2000" b="1" dirty="0"/>
-              <a:t>Step 4</a:t>
-            </a:r>
-            <a:r>
-              <a:rPr lang="en-US" altLang="zh-CN" sz="2000" dirty="0"/>
-              <a:t>: </a:t>
-            </a:r>
-            <a:r>
-              <a:rPr lang="en-US" altLang="zh-CN" sz="2000" b="1" dirty="0"/>
-              <a:t>Import KNIME workflow </a:t>
-            </a:r>
-            <a:r>
-              <a:rPr lang="en-US" altLang="zh-CN" sz="2000" dirty="0"/>
-              <a:t>file (Employment Impacts of a Energy </a:t>
-            </a:r>
-            <a:r>
-              <a:rPr lang="en-US" altLang="zh-CN" sz="2000" dirty="0" err="1"/>
-              <a:t>Transition.knwf</a:t>
-            </a:r>
-            <a:r>
-              <a:rPr lang="en-US" altLang="zh-CN" sz="2000" dirty="0"/>
-              <a:t>)</a:t>
-            </a:r>
-            <a:endParaRPr lang="en-US" altLang="zh-CN" sz="2000" dirty="0">
-              <a:solidFill>
-                <a:schemeClr val="tx1">
-                  <a:lumMod val="95000"/>
-                  <a:lumOff val="5000"/>
-                </a:schemeClr>
-              </a:solidFill>
-            </a:endParaRPr>
-          </a:p>
-          <a:p>
-            <a:r>
-              <a:rPr lang="en-US" altLang="zh-CN" sz="2000" b="1" dirty="0"/>
-              <a:t>Step 5</a:t>
-            </a:r>
-            <a:r>
-              <a:rPr lang="en-US" altLang="zh-CN" sz="2000" dirty="0"/>
-              <a:t>: </a:t>
-            </a:r>
-            <a:r>
-              <a:rPr lang="en-US" altLang="zh-CN" sz="2000" b="1" dirty="0"/>
-              <a:t>Configure “Input Data”</a:t>
-            </a:r>
-            <a:r>
-              <a:rPr lang="en-US" altLang="zh-CN" sz="2000" dirty="0"/>
-              <a:t> for each table and figure</a:t>
-            </a:r>
-          </a:p>
-          <a:p>
-            <a:r>
-              <a:rPr lang="en-US" altLang="zh-CN" sz="2000" dirty="0"/>
-              <a:t>Step 6: </a:t>
-            </a:r>
-            <a:r>
-              <a:rPr lang="en-US" altLang="zh-CN" sz="2000" b="1" dirty="0"/>
-              <a:t>Configure nodes in “exporting output”</a:t>
-            </a:r>
-            <a:r>
-              <a:rPr lang="en-US" altLang="zh-CN" sz="2000" dirty="0"/>
-              <a:t> section on the local computer</a:t>
-            </a:r>
-          </a:p>
-          <a:p>
-            <a:r>
-              <a:rPr lang="en-US" altLang="zh-CN" sz="2000" dirty="0"/>
-              <a:t>Step 6: Click </a:t>
-            </a:r>
-            <a:r>
-              <a:rPr lang="en-US" altLang="zh-CN" sz="2000" b="1" dirty="0"/>
-              <a:t>Run</a:t>
-            </a:r>
-            <a:r>
-              <a:rPr lang="en-US" altLang="zh-CN" sz="2000" dirty="0"/>
-              <a:t>       function from the top menu </a:t>
-            </a:r>
-          </a:p>
-          <a:p>
-            <a:r>
-              <a:rPr lang="en-US" altLang="zh-CN" sz="2000" b="1" dirty="0"/>
-              <a:t>Step 7</a:t>
-            </a:r>
-            <a:r>
-              <a:rPr lang="en-US" altLang="zh-CN" sz="2000" dirty="0"/>
-              <a:t>: </a:t>
-            </a:r>
-            <a:r>
-              <a:rPr lang="en-US" altLang="zh-CN" sz="2000" b="1" dirty="0"/>
-              <a:t>Display</a:t>
-            </a:r>
-            <a:r>
-              <a:rPr lang="en-US" altLang="zh-CN" sz="2000" dirty="0"/>
-              <a:t> </a:t>
-            </a:r>
-            <a:r>
-              <a:rPr lang="en-US" altLang="zh-CN" sz="2000" b="1" dirty="0"/>
-              <a:t>the outputs</a:t>
-            </a:r>
-            <a:r>
-              <a:rPr lang="en-US" altLang="zh-CN" sz="2000" dirty="0"/>
-              <a:t>:</a:t>
-            </a:r>
-          </a:p>
-          <a:p>
-            <a:pPr marL="742950" lvl="1" indent="-285750">
-              <a:buFont typeface="Courier New" panose="02070309020205020404" pitchFamily="49" charset="0"/>
-              <a:buChar char="o"/>
-            </a:pPr>
-            <a:r>
-              <a:rPr lang="en-US" altLang="zh-CN" sz="2000" b="1" dirty="0"/>
-              <a:t>Coefficient of variation (A1).csv</a:t>
-            </a:r>
-          </a:p>
-          <a:p>
-            <a:pPr marL="742950" lvl="1" indent="-285750">
-              <a:buFont typeface="Courier New" panose="02070309020205020404" pitchFamily="49" charset="0"/>
-              <a:buChar char="o"/>
-            </a:pPr>
-            <a:r>
-              <a:rPr lang="en-US" altLang="zh-CN" sz="2000" b="1" dirty="0"/>
-              <a:t>Mean Employment (A2).csv</a:t>
-            </a:r>
-          </a:p>
-          <a:p>
-            <a:pPr marL="742950" lvl="1" indent="-285750">
-              <a:buFont typeface="Courier New" panose="02070309020205020404" pitchFamily="49" charset="0"/>
-              <a:buChar char="o"/>
-            </a:pPr>
-            <a:r>
-              <a:rPr lang="en-US" altLang="zh-CN" sz="2000" b="1" dirty="0"/>
-              <a:t>Regional percentage of total employment in four scenarios.csv</a:t>
-            </a:r>
-          </a:p>
-          <a:p>
-            <a:pPr marL="742950" lvl="1" indent="-285750">
-              <a:buFont typeface="Courier New" panose="02070309020205020404" pitchFamily="49" charset="0"/>
-              <a:buChar char="o"/>
-            </a:pPr>
-            <a:r>
-              <a:rPr lang="en-US" altLang="zh-CN" sz="2000" b="1" dirty="0"/>
-              <a:t>Employment Map.png</a:t>
-            </a:r>
-          </a:p>
-          <a:p>
-            <a:pPr marL="742950" lvl="1" indent="-285750">
-              <a:buFont typeface="Courier New" panose="02070309020205020404" pitchFamily="49" charset="0"/>
-              <a:buChar char="o"/>
-            </a:pPr>
-            <a:r>
-              <a:rPr lang="en-US" altLang="zh-CN" sz="2000" b="1" dirty="0"/>
-              <a:t>Regional energy employment (A3).csv</a:t>
-            </a:r>
-          </a:p>
-          <a:p>
-            <a:pPr marL="742950" lvl="1" indent="-285750">
-              <a:buFont typeface="Courier New" panose="02070309020205020404" pitchFamily="49" charset="0"/>
-              <a:buChar char="o"/>
-            </a:pPr>
-            <a:r>
-              <a:rPr lang="en-US" altLang="zh-CN" sz="2000" b="1" dirty="0"/>
-              <a:t>Regional Employment Bar Chart.png</a:t>
-            </a:r>
-          </a:p>
-          <a:p>
-            <a:pPr marL="742950" lvl="1" indent="-285750">
-              <a:buFont typeface="Courier New" panose="02070309020205020404" pitchFamily="49" charset="0"/>
-              <a:buChar char="o"/>
-            </a:pPr>
-            <a:r>
-              <a:rPr lang="en-US" altLang="zh-CN" sz="2000" b="1" dirty="0"/>
-              <a:t>Energy Production.csv</a:t>
-            </a:r>
-          </a:p>
-          <a:p>
-            <a:pPr marL="742950" lvl="1" indent="-285750">
-              <a:buFont typeface="Courier New" panose="02070309020205020404" pitchFamily="49" charset="0"/>
-              <a:buChar char="o"/>
-            </a:pPr>
-            <a:endParaRPr lang="zh-CN" altLang="en-US" sz="2000" dirty="0"/>
-          </a:p>
-        </p:txBody>
-      </p:sp>
-      <p:pic>
-        <p:nvPicPr>
-          <p:cNvPr id="5" name="Picture 2">
-            <a:extLst>
-              <a:ext uri="{FF2B5EF4-FFF2-40B4-BE49-F238E27FC236}">
-                <a16:creationId xmlns:a16="http://schemas.microsoft.com/office/drawing/2014/main" id="{E77D5926-3512-4F57-953B-1144869DEFE7}"/>
-              </a:ext>
-            </a:extLst>
-          </p:cNvPr>
-          <p:cNvPicPr>
-            <a:picLocks noChangeAspect="1"/>
-          </p:cNvPicPr>
-          <p:nvPr/>
-        </p:nvPicPr>
-        <p:blipFill>
-          <a:blip r:embed="rId3"/>
-          <a:stretch>
-            <a:fillRect/>
-          </a:stretch>
-        </p:blipFill>
-        <p:spPr>
-          <a:xfrm>
-            <a:off x="2428142" y="3526875"/>
-            <a:ext cx="304800" cy="243840"/>
-          </a:xfrm>
-          <a:prstGeom prst="rect">
-            <a:avLst/>
-          </a:prstGeom>
-        </p:spPr>
-      </p:pic>
-      <p:sp>
-        <p:nvSpPr>
-          <p:cNvPr id="3" name="Content Placeholder 2">
-            <a:extLst>
-              <a:ext uri="{FF2B5EF4-FFF2-40B4-BE49-F238E27FC236}">
-                <a16:creationId xmlns:a16="http://schemas.microsoft.com/office/drawing/2014/main" id="{85102495-6A70-402E-93AD-C72C2F942BBB}"/>
-              </a:ext>
-            </a:extLst>
-          </p:cNvPr>
-          <p:cNvSpPr txBox="1">
-            <a:spLocks/>
-          </p:cNvSpPr>
-          <p:nvPr/>
-        </p:nvSpPr>
-        <p:spPr>
-          <a:xfrm>
-            <a:off x="340592" y="1000764"/>
-            <a:ext cx="5683400" cy="510334"/>
-          </a:xfrm>
-          <a:prstGeom prst="rect">
-            <a:avLst/>
-          </a:prstGeom>
-        </p:spPr>
-        <p:txBody>
-          <a:bodyPr vert="horz" lIns="91440" tIns="45720" rIns="91440" bIns="45720" rtlCol="0">
-            <a:noAutofit/>
-          </a:bodyPr>
-          <a:lstStyle>
-            <a:lvl1pPr marL="228600" indent="-228600" algn="l" defTabSz="914400" rtl="0" eaLnBrk="1" latinLnBrk="0" hangingPunct="1">
-              <a:lnSpc>
-                <a:spcPct val="90000"/>
-              </a:lnSpc>
-              <a:spcBef>
-                <a:spcPts val="1000"/>
-              </a:spcBef>
-              <a:buFont typeface="Arial" panose="020B0604020202020204" pitchFamily="34" charset="0"/>
-              <a:buChar char="•"/>
-              <a:defRPr sz="2800" kern="1200">
-                <a:solidFill>
-                  <a:schemeClr val="tx1"/>
-                </a:solidFill>
-                <a:latin typeface="+mn-lt"/>
-                <a:ea typeface="+mn-ea"/>
-                <a:cs typeface="+mn-cs"/>
-              </a:defRPr>
-            </a:lvl1pPr>
-            <a:lvl2pPr marL="685800" indent="-228600" algn="l" defTabSz="914400" rtl="0" eaLnBrk="1" latinLnBrk="0" hangingPunct="1">
-              <a:lnSpc>
-                <a:spcPct val="90000"/>
-              </a:lnSpc>
-              <a:spcBef>
-                <a:spcPts val="500"/>
-              </a:spcBef>
-              <a:buFont typeface="Arial" panose="020B0604020202020204" pitchFamily="34" charset="0"/>
-              <a:buChar char="•"/>
-              <a:defRPr sz="2400" kern="1200">
-                <a:solidFill>
-                  <a:schemeClr val="tx1"/>
-                </a:solidFill>
-                <a:latin typeface="+mn-lt"/>
-                <a:ea typeface="+mn-ea"/>
-                <a:cs typeface="+mn-cs"/>
-              </a:defRPr>
-            </a:lvl2pPr>
-            <a:lvl3pPr marL="1143000" indent="-228600" algn="l" defTabSz="914400" rtl="0" eaLnBrk="1" latinLnBrk="0" hangingPunct="1">
-              <a:lnSpc>
-                <a:spcPct val="90000"/>
-              </a:lnSpc>
-              <a:spcBef>
-                <a:spcPts val="500"/>
-              </a:spcBef>
-              <a:buFont typeface="Arial" panose="020B0604020202020204" pitchFamily="34" charset="0"/>
-              <a:buChar char="•"/>
-              <a:defRPr sz="2000" kern="1200">
-                <a:solidFill>
-                  <a:schemeClr val="tx1"/>
-                </a:solidFill>
-                <a:latin typeface="+mn-lt"/>
-                <a:ea typeface="+mn-ea"/>
-                <a:cs typeface="+mn-cs"/>
-              </a:defRPr>
-            </a:lvl3pPr>
-            <a:lvl4pPr marL="1600200" indent="-228600" algn="l" defTabSz="914400" rtl="0" eaLnBrk="1" latinLnBrk="0" hangingPunct="1">
-              <a:lnSpc>
-                <a:spcPct val="90000"/>
-              </a:lnSpc>
-              <a:spcBef>
-                <a:spcPts val="500"/>
-              </a:spcBef>
-              <a:buFont typeface="Arial" panose="020B0604020202020204" pitchFamily="34" charset="0"/>
-              <a:buChar char="•"/>
-              <a:defRPr sz="1800" kern="1200">
-                <a:solidFill>
-                  <a:schemeClr val="tx1"/>
-                </a:solidFill>
-                <a:latin typeface="+mn-lt"/>
-                <a:ea typeface="+mn-ea"/>
-                <a:cs typeface="+mn-cs"/>
-              </a:defRPr>
-            </a:lvl4pPr>
-            <a:lvl5pPr marL="2057400" indent="-228600" algn="l" defTabSz="914400" rtl="0" eaLnBrk="1" latinLnBrk="0" hangingPunct="1">
-              <a:lnSpc>
-                <a:spcPct val="90000"/>
-              </a:lnSpc>
-              <a:spcBef>
-                <a:spcPts val="500"/>
-              </a:spcBef>
-              <a:buFont typeface="Arial" panose="020B0604020202020204" pitchFamily="34" charset="0"/>
-              <a:buChar char="•"/>
-              <a:defRPr sz="1800" kern="1200">
-                <a:solidFill>
-                  <a:schemeClr val="tx1"/>
-                </a:solidFill>
-                <a:latin typeface="+mn-lt"/>
-                <a:ea typeface="+mn-ea"/>
-                <a:cs typeface="+mn-cs"/>
-              </a:defRPr>
-            </a:lvl5pPr>
-            <a:lvl6pPr marL="2514600" indent="-228600" algn="l" defTabSz="914400" rtl="0" eaLnBrk="1" latinLnBrk="0" hangingPunct="1">
-              <a:lnSpc>
-                <a:spcPct val="90000"/>
-              </a:lnSpc>
-              <a:spcBef>
-                <a:spcPts val="500"/>
-              </a:spcBef>
-              <a:buFont typeface="Arial" panose="020B0604020202020204" pitchFamily="34" charset="0"/>
-              <a:buChar char="•"/>
-              <a:defRPr sz="1800" kern="1200">
-                <a:solidFill>
-                  <a:schemeClr val="tx1"/>
-                </a:solidFill>
-                <a:latin typeface="+mn-lt"/>
-                <a:ea typeface="+mn-ea"/>
-                <a:cs typeface="+mn-cs"/>
-              </a:defRPr>
-            </a:lvl6pPr>
-            <a:lvl7pPr marL="2971800" indent="-228600" algn="l" defTabSz="914400" rtl="0" eaLnBrk="1" latinLnBrk="0" hangingPunct="1">
-              <a:lnSpc>
-                <a:spcPct val="90000"/>
-              </a:lnSpc>
-              <a:spcBef>
-                <a:spcPts val="500"/>
-              </a:spcBef>
-              <a:buFont typeface="Arial" panose="020B0604020202020204" pitchFamily="34" charset="0"/>
-              <a:buChar char="•"/>
-              <a:defRPr sz="1800" kern="1200">
-                <a:solidFill>
-                  <a:schemeClr val="tx1"/>
-                </a:solidFill>
-                <a:latin typeface="+mn-lt"/>
-                <a:ea typeface="+mn-ea"/>
-                <a:cs typeface="+mn-cs"/>
-              </a:defRPr>
-            </a:lvl7pPr>
-            <a:lvl8pPr marL="3429000" indent="-228600" algn="l" defTabSz="914400" rtl="0" eaLnBrk="1" latinLnBrk="0" hangingPunct="1">
-              <a:lnSpc>
-                <a:spcPct val="90000"/>
-              </a:lnSpc>
-              <a:spcBef>
-                <a:spcPts val="500"/>
-              </a:spcBef>
-              <a:buFont typeface="Arial" panose="020B0604020202020204" pitchFamily="34" charset="0"/>
-              <a:buChar char="•"/>
-              <a:defRPr sz="1800" kern="1200">
-                <a:solidFill>
-                  <a:schemeClr val="tx1"/>
-                </a:solidFill>
-                <a:latin typeface="+mn-lt"/>
-                <a:ea typeface="+mn-ea"/>
-                <a:cs typeface="+mn-cs"/>
-              </a:defRPr>
-            </a:lvl8pPr>
-            <a:lvl9pPr marL="3886200" indent="-228600" algn="l" defTabSz="914400" rtl="0" eaLnBrk="1" latinLnBrk="0" hangingPunct="1">
-              <a:lnSpc>
-                <a:spcPct val="90000"/>
-              </a:lnSpc>
-              <a:spcBef>
-                <a:spcPts val="500"/>
-              </a:spcBef>
-              <a:buFont typeface="Arial" panose="020B0604020202020204" pitchFamily="34" charset="0"/>
-              <a:buChar char="•"/>
-              <a:defRPr sz="1800" kern="1200">
-                <a:solidFill>
-                  <a:schemeClr val="tx1"/>
-                </a:solidFill>
-                <a:latin typeface="+mn-lt"/>
-                <a:ea typeface="+mn-ea"/>
-                <a:cs typeface="+mn-cs"/>
-              </a:defRPr>
-            </a:lvl9pPr>
-          </a:lstStyle>
-          <a:p>
-            <a:pPr>
-              <a:buFont typeface="Wingdings" panose="05000000000000000000" pitchFamily="2" charset="2"/>
-              <a:buChar char="q"/>
-            </a:pPr>
-            <a:r>
-              <a:rPr lang="en-US" sz="2400" b="1" dirty="0"/>
-              <a:t> Steps for Running the Workflow</a:t>
-            </a:r>
-            <a:endParaRPr lang="en-US" sz="2000" b="1" dirty="0"/>
-          </a:p>
-        </p:txBody>
-      </p:sp>
-    </p:spTree>
-    <p:extLst>
-      <p:ext uri="{BB962C8B-B14F-4D97-AF65-F5344CB8AC3E}">
-        <p14:creationId xmlns:p14="http://schemas.microsoft.com/office/powerpoint/2010/main" val="3630545567"/>
+        <p14:creationId xmlns:p14="http://schemas.microsoft.com/office/powerpoint/2010/main" val="637326205"/>
       </p:ext>
     </p:extLst>
   </p:cSld>
